--- a/#Presentations/2ProjectDesignPresentation.pptx
+++ b/#Presentations/2ProjectDesignPresentation.pptx
@@ -5,7 +5,7 @@
     <p:sldMasterId id="2147483658" r:id="rId1"/>
   </p:sldMasterIdLst>
   <p:notesMasterIdLst>
-    <p:notesMasterId r:id="rId27"/>
+    <p:notesMasterId r:id="rId29"/>
   </p:notesMasterIdLst>
   <p:sldIdLst>
     <p:sldId id="297" r:id="rId2"/>
@@ -16,42 +16,44 @@
     <p:sldId id="345" r:id="rId7"/>
     <p:sldId id="347" r:id="rId8"/>
     <p:sldId id="346" r:id="rId9"/>
-    <p:sldId id="256" r:id="rId10"/>
-    <p:sldId id="336" r:id="rId11"/>
-    <p:sldId id="322" r:id="rId12"/>
-    <p:sldId id="344" r:id="rId13"/>
-    <p:sldId id="338" r:id="rId14"/>
-    <p:sldId id="264" r:id="rId15"/>
-    <p:sldId id="339" r:id="rId16"/>
-    <p:sldId id="259" r:id="rId17"/>
-    <p:sldId id="340" r:id="rId18"/>
-    <p:sldId id="341" r:id="rId19"/>
-    <p:sldId id="262" r:id="rId20"/>
-    <p:sldId id="326" r:id="rId21"/>
-    <p:sldId id="325" r:id="rId22"/>
-    <p:sldId id="328" r:id="rId23"/>
-    <p:sldId id="330" r:id="rId24"/>
-    <p:sldId id="332" r:id="rId25"/>
-    <p:sldId id="260" r:id="rId26"/>
+    <p:sldId id="348" r:id="rId10"/>
+    <p:sldId id="256" r:id="rId11"/>
+    <p:sldId id="336" r:id="rId12"/>
+    <p:sldId id="322" r:id="rId13"/>
+    <p:sldId id="344" r:id="rId14"/>
+    <p:sldId id="338" r:id="rId15"/>
+    <p:sldId id="264" r:id="rId16"/>
+    <p:sldId id="339" r:id="rId17"/>
+    <p:sldId id="259" r:id="rId18"/>
+    <p:sldId id="340" r:id="rId19"/>
+    <p:sldId id="341" r:id="rId20"/>
+    <p:sldId id="262" r:id="rId21"/>
+    <p:sldId id="349" r:id="rId22"/>
+    <p:sldId id="326" r:id="rId23"/>
+    <p:sldId id="325" r:id="rId24"/>
+    <p:sldId id="328" r:id="rId25"/>
+    <p:sldId id="330" r:id="rId26"/>
+    <p:sldId id="332" r:id="rId27"/>
+    <p:sldId id="260" r:id="rId28"/>
   </p:sldIdLst>
   <p:sldSz cx="9144000" cy="5143500" type="screen16x9"/>
   <p:notesSz cx="6858000" cy="9144000"/>
   <p:embeddedFontLst>
     <p:embeddedFont>
-      <p:font typeface="Blackadder ITC" panose="04020505051007020D02" pitchFamily="82" charset="0"/>
-      <p:regular r:id="rId28"/>
+      <p:font typeface="Blackadder ITC" panose="020B0604020202020204" charset="0"/>
+      <p:regular r:id="rId30"/>
     </p:embeddedFont>
     <p:embeddedFont>
       <p:font typeface="Roboto Slab" panose="020B0604020202020204" charset="0"/>
-      <p:regular r:id="rId29"/>
-      <p:bold r:id="rId30"/>
+      <p:regular r:id="rId31"/>
+      <p:bold r:id="rId32"/>
     </p:embeddedFont>
     <p:embeddedFont>
-      <p:font typeface="Source Sans Pro" panose="020B0503030403020204" pitchFamily="34" charset="0"/>
-      <p:regular r:id="rId31"/>
-      <p:bold r:id="rId32"/>
-      <p:italic r:id="rId33"/>
-      <p:boldItalic r:id="rId34"/>
+      <p:font typeface="Source Sans Pro" panose="020B0604020202020204" charset="0"/>
+      <p:regular r:id="rId33"/>
+      <p:bold r:id="rId34"/>
+      <p:italic r:id="rId35"/>
+      <p:boldItalic r:id="rId36"/>
     </p:embeddedFont>
   </p:embeddedFontLst>
   <p:defaultTextStyle>
@@ -941,7 +943,7 @@
     </p:spTree>
     <p:extLst>
       <p:ext uri="{BB962C8B-B14F-4D97-AF65-F5344CB8AC3E}">
-        <p14:creationId xmlns:p14="http://schemas.microsoft.com/office/powerpoint/2010/main" val="3065785184"/>
+        <p14:creationId xmlns:p14="http://schemas.microsoft.com/office/powerpoint/2010/main" val="3782976711"/>
       </p:ext>
     </p:extLst>
   </p:cSld>
@@ -1045,7 +1047,7 @@
     </p:spTree>
     <p:extLst>
       <p:ext uri="{BB962C8B-B14F-4D97-AF65-F5344CB8AC3E}">
-        <p14:creationId xmlns:p14="http://schemas.microsoft.com/office/powerpoint/2010/main" val="2754173772"/>
+        <p14:creationId xmlns:p14="http://schemas.microsoft.com/office/powerpoint/2010/main" val="3065785184"/>
       </p:ext>
     </p:extLst>
   </p:cSld>
@@ -1149,7 +1151,7 @@
     </p:spTree>
     <p:extLst>
       <p:ext uri="{BB962C8B-B14F-4D97-AF65-F5344CB8AC3E}">
-        <p14:creationId xmlns:p14="http://schemas.microsoft.com/office/powerpoint/2010/main" val="2535675393"/>
+        <p14:creationId xmlns:p14="http://schemas.microsoft.com/office/powerpoint/2010/main" val="2754173772"/>
       </p:ext>
     </p:extLst>
   </p:cSld>
@@ -1160,72 +1162,6 @@
 </file>
 
 <file path=ppt/notesSlides/notesSlide13.xml><?xml version="1.0" encoding="utf-8"?>
-<p:notes xmlns:a="http://schemas.openxmlformats.org/drawingml/2006/main" xmlns:r="http://schemas.openxmlformats.org/officeDocument/2006/relationships" xmlns:p="http://schemas.openxmlformats.org/presentationml/2006/main">
-  <p:cSld>
-    <p:spTree>
-      <p:nvGrpSpPr>
-        <p:cNvPr id="1" name=""/>
-        <p:cNvGrpSpPr/>
-        <p:nvPr/>
-      </p:nvGrpSpPr>
-      <p:grpSpPr>
-        <a:xfrm>
-          <a:off x="0" y="0"/>
-          <a:ext cx="0" cy="0"/>
-          <a:chOff x="0" y="0"/>
-          <a:chExt cx="0" cy="0"/>
-        </a:xfrm>
-      </p:grpSpPr>
-      <p:sp>
-        <p:nvSpPr>
-          <p:cNvPr id="2" name="Slide Image Placeholder 1"/>
-          <p:cNvSpPr>
-            <a:spLocks noGrp="1" noRot="1" noChangeAspect="1"/>
-          </p:cNvSpPr>
-          <p:nvPr>
-            <p:ph type="sldImg"/>
-          </p:nvPr>
-        </p:nvSpPr>
-        <p:spPr>
-          <a:xfrm>
-            <a:off x="381000" y="685800"/>
-            <a:ext cx="6096000" cy="3429000"/>
-          </a:xfrm>
-        </p:spPr>
-      </p:sp>
-      <p:sp>
-        <p:nvSpPr>
-          <p:cNvPr id="3" name="Notes Placeholder 2"/>
-          <p:cNvSpPr>
-            <a:spLocks noGrp="1"/>
-          </p:cNvSpPr>
-          <p:nvPr>
-            <p:ph type="body" idx="1"/>
-          </p:nvPr>
-        </p:nvSpPr>
-        <p:spPr/>
-        <p:txBody>
-          <a:bodyPr/>
-          <a:lstStyle/>
-          <a:p>
-            <a:endParaRPr lang="en-US" dirty="0"/>
-          </a:p>
-        </p:txBody>
-      </p:sp>
-    </p:spTree>
-    <p:extLst>
-      <p:ext uri="{BB962C8B-B14F-4D97-AF65-F5344CB8AC3E}">
-        <p14:creationId xmlns:p14="http://schemas.microsoft.com/office/powerpoint/2010/main" val="3944300506"/>
-      </p:ext>
-    </p:extLst>
-  </p:cSld>
-  <p:clrMapOvr>
-    <a:masterClrMapping/>
-  </p:clrMapOvr>
-</p:notes>
-</file>
-
-<file path=ppt/notesSlides/notesSlide14.xml><?xml version="1.0" encoding="utf-8"?>
 <p:notes xmlns:a="http://schemas.openxmlformats.org/drawingml/2006/main" xmlns:r="http://schemas.openxmlformats.org/officeDocument/2006/relationships" xmlns:p="http://schemas.openxmlformats.org/presentationml/2006/main" showMasterSp="0" showMasterPhAnim="0">
   <p:cSld>
     <p:spTree>
@@ -1319,7 +1255,73 @@
     </p:spTree>
     <p:extLst>
       <p:ext uri="{BB962C8B-B14F-4D97-AF65-F5344CB8AC3E}">
-        <p14:creationId xmlns:p14="http://schemas.microsoft.com/office/powerpoint/2010/main" val="4055752152"/>
+        <p14:creationId xmlns:p14="http://schemas.microsoft.com/office/powerpoint/2010/main" val="2535675393"/>
+      </p:ext>
+    </p:extLst>
+  </p:cSld>
+  <p:clrMapOvr>
+    <a:masterClrMapping/>
+  </p:clrMapOvr>
+</p:notes>
+</file>
+
+<file path=ppt/notesSlides/notesSlide14.xml><?xml version="1.0" encoding="utf-8"?>
+<p:notes xmlns:a="http://schemas.openxmlformats.org/drawingml/2006/main" xmlns:r="http://schemas.openxmlformats.org/officeDocument/2006/relationships" xmlns:p="http://schemas.openxmlformats.org/presentationml/2006/main">
+  <p:cSld>
+    <p:spTree>
+      <p:nvGrpSpPr>
+        <p:cNvPr id="1" name=""/>
+        <p:cNvGrpSpPr/>
+        <p:nvPr/>
+      </p:nvGrpSpPr>
+      <p:grpSpPr>
+        <a:xfrm>
+          <a:off x="0" y="0"/>
+          <a:ext cx="0" cy="0"/>
+          <a:chOff x="0" y="0"/>
+          <a:chExt cx="0" cy="0"/>
+        </a:xfrm>
+      </p:grpSpPr>
+      <p:sp>
+        <p:nvSpPr>
+          <p:cNvPr id="2" name="Slide Image Placeholder 1"/>
+          <p:cNvSpPr>
+            <a:spLocks noGrp="1" noRot="1" noChangeAspect="1"/>
+          </p:cNvSpPr>
+          <p:nvPr>
+            <p:ph type="sldImg"/>
+          </p:nvPr>
+        </p:nvSpPr>
+        <p:spPr>
+          <a:xfrm>
+            <a:off x="381000" y="685800"/>
+            <a:ext cx="6096000" cy="3429000"/>
+          </a:xfrm>
+        </p:spPr>
+      </p:sp>
+      <p:sp>
+        <p:nvSpPr>
+          <p:cNvPr id="3" name="Notes Placeholder 2"/>
+          <p:cNvSpPr>
+            <a:spLocks noGrp="1"/>
+          </p:cNvSpPr>
+          <p:nvPr>
+            <p:ph type="body" idx="1"/>
+          </p:nvPr>
+        </p:nvSpPr>
+        <p:spPr/>
+        <p:txBody>
+          <a:bodyPr/>
+          <a:lstStyle/>
+          <a:p>
+            <a:endParaRPr lang="en-US" dirty="0"/>
+          </a:p>
+        </p:txBody>
+      </p:sp>
+    </p:spTree>
+    <p:extLst>
+      <p:ext uri="{BB962C8B-B14F-4D97-AF65-F5344CB8AC3E}">
+        <p14:creationId xmlns:p14="http://schemas.microsoft.com/office/powerpoint/2010/main" val="3944300506"/>
       </p:ext>
     </p:extLst>
   </p:cSld>
@@ -1423,7 +1425,7 @@
     </p:spTree>
     <p:extLst>
       <p:ext uri="{BB962C8B-B14F-4D97-AF65-F5344CB8AC3E}">
-        <p14:creationId xmlns:p14="http://schemas.microsoft.com/office/powerpoint/2010/main" val="236787633"/>
+        <p14:creationId xmlns:p14="http://schemas.microsoft.com/office/powerpoint/2010/main" val="4055752152"/>
       </p:ext>
     </p:extLst>
   </p:cSld>
@@ -1434,11 +1436,11 @@
 </file>
 
 <file path=ppt/notesSlides/notesSlide16.xml><?xml version="1.0" encoding="utf-8"?>
-<p:notes xmlns:a="http://schemas.openxmlformats.org/drawingml/2006/main" xmlns:r="http://schemas.openxmlformats.org/officeDocument/2006/relationships" xmlns:p="http://schemas.openxmlformats.org/presentationml/2006/main">
+<p:notes xmlns:a="http://schemas.openxmlformats.org/drawingml/2006/main" xmlns:r="http://schemas.openxmlformats.org/officeDocument/2006/relationships" xmlns:p="http://schemas.openxmlformats.org/presentationml/2006/main" showMasterSp="0" showMasterPhAnim="0">
   <p:cSld>
     <p:spTree>
       <p:nvGrpSpPr>
-        <p:cNvPr id="1" name=""/>
+        <p:cNvPr id="1" name="Shape 71"/>
         <p:cNvGrpSpPr/>
         <p:nvPr/>
       </p:nvGrpSpPr>
@@ -1452,12 +1454,12 @@
       </p:grpSpPr>
       <p:sp>
         <p:nvSpPr>
-          <p:cNvPr id="2" name="Slide Image Placeholder 1"/>
+          <p:cNvPr id="72" name="Google Shape;72;g3606f1c2d_30:notes"/>
           <p:cNvSpPr>
             <a:spLocks noGrp="1" noRot="1" noChangeAspect="1"/>
           </p:cNvSpPr>
           <p:nvPr>
-            <p:ph type="sldImg"/>
+            <p:ph type="sldImg" idx="2"/>
           </p:nvPr>
         </p:nvSpPr>
         <p:spPr>
@@ -1465,34 +1467,69 @@
             <a:off x="381000" y="685800"/>
             <a:ext cx="6096000" cy="3429000"/>
           </a:xfrm>
-        </p:spPr>
-      </p:sp>
-      <p:sp>
-        <p:nvSpPr>
-          <p:cNvPr id="3" name="Notes Placeholder 2"/>
-          <p:cNvSpPr>
+          <a:custGeom>
+            <a:avLst/>
+            <a:gdLst/>
+            <a:ahLst/>
+            <a:cxnLst/>
+            <a:rect l="l" t="t" r="r" b="b"/>
+            <a:pathLst>
+              <a:path w="120000" h="120000" extrusionOk="0">
+                <a:moveTo>
+                  <a:pt x="0" y="0"/>
+                </a:moveTo>
+                <a:lnTo>
+                  <a:pt x="120000" y="0"/>
+                </a:lnTo>
+                <a:lnTo>
+                  <a:pt x="120000" y="120000"/>
+                </a:lnTo>
+                <a:lnTo>
+                  <a:pt x="0" y="120000"/>
+                </a:lnTo>
+                <a:close/>
+              </a:path>
+            </a:pathLst>
+          </a:custGeom>
+        </p:spPr>
+      </p:sp>
+      <p:sp>
+        <p:nvSpPr>
+          <p:cNvPr id="73" name="Google Shape;73;g3606f1c2d_30:notes"/>
+          <p:cNvSpPr txBox="1">
             <a:spLocks noGrp="1"/>
           </p:cNvSpPr>
           <p:nvPr>
             <p:ph type="body" idx="1"/>
           </p:nvPr>
         </p:nvSpPr>
-        <p:spPr/>
+        <p:spPr>
+          <a:xfrm>
+            <a:off x="685800" y="4343400"/>
+            <a:ext cx="5486400" cy="4114800"/>
+          </a:xfrm>
+          <a:prstGeom prst="rect">
+            <a:avLst/>
+          </a:prstGeom>
+        </p:spPr>
         <p:txBody>
-          <a:bodyPr/>
+          <a:bodyPr spcFirstLastPara="1" wrap="square" lIns="91425" tIns="91425" rIns="91425" bIns="91425" anchor="t" anchorCtr="0">
+            <a:noAutofit/>
+          </a:bodyPr>
           <a:lstStyle/>
           <a:p>
-            <a:r>
-              <a:rPr lang="en-US" dirty="0"/>
-              <a:t>3</a:t>
-            </a:r>
+            <a:pPr marL="0" indent="0">
+              <a:buNone/>
+              <a:defRPr/>
+            </a:pPr>
+            <a:endParaRPr lang="en-US" dirty="0"/>
           </a:p>
         </p:txBody>
       </p:sp>
     </p:spTree>
     <p:extLst>
       <p:ext uri="{BB962C8B-B14F-4D97-AF65-F5344CB8AC3E}">
-        <p14:creationId xmlns:p14="http://schemas.microsoft.com/office/powerpoint/2010/main" val="2410569745"/>
+        <p14:creationId xmlns:p14="http://schemas.microsoft.com/office/powerpoint/2010/main" val="236787633"/>
       </p:ext>
     </p:extLst>
   </p:cSld>
@@ -1553,6 +1590,75 @@
           <a:p>
             <a:r>
               <a:rPr lang="en-US" dirty="0"/>
+              <a:t>3</a:t>
+            </a:r>
+          </a:p>
+        </p:txBody>
+      </p:sp>
+    </p:spTree>
+    <p:extLst>
+      <p:ext uri="{BB962C8B-B14F-4D97-AF65-F5344CB8AC3E}">
+        <p14:creationId xmlns:p14="http://schemas.microsoft.com/office/powerpoint/2010/main" val="2410569745"/>
+      </p:ext>
+    </p:extLst>
+  </p:cSld>
+  <p:clrMapOvr>
+    <a:masterClrMapping/>
+  </p:clrMapOvr>
+</p:notes>
+</file>
+
+<file path=ppt/notesSlides/notesSlide18.xml><?xml version="1.0" encoding="utf-8"?>
+<p:notes xmlns:a="http://schemas.openxmlformats.org/drawingml/2006/main" xmlns:r="http://schemas.openxmlformats.org/officeDocument/2006/relationships" xmlns:p="http://schemas.openxmlformats.org/presentationml/2006/main">
+  <p:cSld>
+    <p:spTree>
+      <p:nvGrpSpPr>
+        <p:cNvPr id="1" name=""/>
+        <p:cNvGrpSpPr/>
+        <p:nvPr/>
+      </p:nvGrpSpPr>
+      <p:grpSpPr>
+        <a:xfrm>
+          <a:off x="0" y="0"/>
+          <a:ext cx="0" cy="0"/>
+          <a:chOff x="0" y="0"/>
+          <a:chExt cx="0" cy="0"/>
+        </a:xfrm>
+      </p:grpSpPr>
+      <p:sp>
+        <p:nvSpPr>
+          <p:cNvPr id="2" name="Slide Image Placeholder 1"/>
+          <p:cNvSpPr>
+            <a:spLocks noGrp="1" noRot="1" noChangeAspect="1"/>
+          </p:cNvSpPr>
+          <p:nvPr>
+            <p:ph type="sldImg"/>
+          </p:nvPr>
+        </p:nvSpPr>
+        <p:spPr>
+          <a:xfrm>
+            <a:off x="381000" y="685800"/>
+            <a:ext cx="6096000" cy="3429000"/>
+          </a:xfrm>
+        </p:spPr>
+      </p:sp>
+      <p:sp>
+        <p:nvSpPr>
+          <p:cNvPr id="3" name="Notes Placeholder 2"/>
+          <p:cNvSpPr>
+            <a:spLocks noGrp="1"/>
+          </p:cNvSpPr>
+          <p:nvPr>
+            <p:ph type="body" idx="1"/>
+          </p:nvPr>
+        </p:nvSpPr>
+        <p:spPr/>
+        <p:txBody>
+          <a:bodyPr/>
+          <a:lstStyle/>
+          <a:p>
+            <a:r>
+              <a:rPr lang="en-US" dirty="0"/>
               <a:t>4</a:t>
             </a:r>
           </a:p>
@@ -1571,12 +1677,12 @@
 </p:notes>
 </file>
 
-<file path=ppt/notesSlides/notesSlide18.xml><?xml version="1.0" encoding="utf-8"?>
-<p:notes xmlns:a="http://schemas.openxmlformats.org/drawingml/2006/main" xmlns:r="http://schemas.openxmlformats.org/officeDocument/2006/relationships" xmlns:p="http://schemas.openxmlformats.org/presentationml/2006/main" showMasterSp="0" showMasterPhAnim="0">
+<file path=ppt/notesSlides/notesSlide19.xml><?xml version="1.0" encoding="utf-8"?>
+<p:notes xmlns:a="http://schemas.openxmlformats.org/drawingml/2006/main" xmlns:r="http://schemas.openxmlformats.org/officeDocument/2006/relationships" xmlns:p="http://schemas.openxmlformats.org/presentationml/2006/main">
   <p:cSld>
     <p:spTree>
       <p:nvGrpSpPr>
-        <p:cNvPr id="1" name="Shape 71"/>
+        <p:cNvPr id="1" name=""/>
         <p:cNvGrpSpPr/>
         <p:nvPr/>
       </p:nvGrpSpPr>
@@ -1590,12 +1696,12 @@
       </p:grpSpPr>
       <p:sp>
         <p:nvSpPr>
-          <p:cNvPr id="72" name="Google Shape;72;g3606f1c2d_30:notes"/>
+          <p:cNvPr id="2" name="Slide Image Placeholder 1"/>
           <p:cNvSpPr>
             <a:spLocks noGrp="1" noRot="1" noChangeAspect="1"/>
           </p:cNvSpPr>
           <p:nvPr>
-            <p:ph type="sldImg" idx="2"/>
+            <p:ph type="sldImg"/>
           </p:nvPr>
         </p:nvSpPr>
         <p:spPr>
@@ -1603,173 +1709,34 @@
             <a:off x="381000" y="685800"/>
             <a:ext cx="6096000" cy="3429000"/>
           </a:xfrm>
-          <a:custGeom>
-            <a:avLst/>
-            <a:gdLst/>
-            <a:ahLst/>
-            <a:cxnLst/>
-            <a:rect l="l" t="t" r="r" b="b"/>
-            <a:pathLst>
-              <a:path w="120000" h="120000" extrusionOk="0">
-                <a:moveTo>
-                  <a:pt x="0" y="0"/>
-                </a:moveTo>
-                <a:lnTo>
-                  <a:pt x="120000" y="0"/>
-                </a:lnTo>
-                <a:lnTo>
-                  <a:pt x="120000" y="120000"/>
-                </a:lnTo>
-                <a:lnTo>
-                  <a:pt x="0" y="120000"/>
-                </a:lnTo>
-                <a:close/>
-              </a:path>
-            </a:pathLst>
-          </a:custGeom>
-        </p:spPr>
-      </p:sp>
-      <p:sp>
-        <p:nvSpPr>
-          <p:cNvPr id="73" name="Google Shape;73;g3606f1c2d_30:notes"/>
-          <p:cNvSpPr txBox="1">
+        </p:spPr>
+      </p:sp>
+      <p:sp>
+        <p:nvSpPr>
+          <p:cNvPr id="3" name="Notes Placeholder 2"/>
+          <p:cNvSpPr>
             <a:spLocks noGrp="1"/>
           </p:cNvSpPr>
           <p:nvPr>
             <p:ph type="body" idx="1"/>
           </p:nvPr>
         </p:nvSpPr>
-        <p:spPr>
-          <a:xfrm>
-            <a:off x="685800" y="4343400"/>
-            <a:ext cx="5486400" cy="4114800"/>
-          </a:xfrm>
-          <a:prstGeom prst="rect">
-            <a:avLst/>
-          </a:prstGeom>
-        </p:spPr>
+        <p:spPr/>
         <p:txBody>
-          <a:bodyPr spcFirstLastPara="1" wrap="square" lIns="91425" tIns="91425" rIns="91425" bIns="91425" anchor="t" anchorCtr="0">
-            <a:noAutofit/>
-          </a:bodyPr>
+          <a:bodyPr/>
           <a:lstStyle/>
           <a:p>
-            <a:pPr marL="0" indent="0">
-              <a:buNone/>
-              <a:defRPr/>
-            </a:pPr>
-            <a:endParaRPr lang="en-US" dirty="0"/>
+            <a:r>
+              <a:rPr lang="en-US" dirty="0"/>
+              <a:t>4</a:t>
+            </a:r>
           </a:p>
         </p:txBody>
       </p:sp>
     </p:spTree>
     <p:extLst>
       <p:ext uri="{BB962C8B-B14F-4D97-AF65-F5344CB8AC3E}">
-        <p14:creationId xmlns:p14="http://schemas.microsoft.com/office/powerpoint/2010/main" val="45101852"/>
-      </p:ext>
-    </p:extLst>
-  </p:cSld>
-  <p:clrMapOvr>
-    <a:masterClrMapping/>
-  </p:clrMapOvr>
-</p:notes>
-</file>
-
-<file path=ppt/notesSlides/notesSlide19.xml><?xml version="1.0" encoding="utf-8"?>
-<p:notes xmlns:a="http://schemas.openxmlformats.org/drawingml/2006/main" xmlns:r="http://schemas.openxmlformats.org/officeDocument/2006/relationships" xmlns:p="http://schemas.openxmlformats.org/presentationml/2006/main" showMasterSp="0" showMasterPhAnim="0">
-  <p:cSld>
-    <p:spTree>
-      <p:nvGrpSpPr>
-        <p:cNvPr id="1" name="Shape 71"/>
-        <p:cNvGrpSpPr/>
-        <p:nvPr/>
-      </p:nvGrpSpPr>
-      <p:grpSpPr>
-        <a:xfrm>
-          <a:off x="0" y="0"/>
-          <a:ext cx="0" cy="0"/>
-          <a:chOff x="0" y="0"/>
-          <a:chExt cx="0" cy="0"/>
-        </a:xfrm>
-      </p:grpSpPr>
-      <p:sp>
-        <p:nvSpPr>
-          <p:cNvPr id="72" name="Google Shape;72;g3606f1c2d_30:notes"/>
-          <p:cNvSpPr>
-            <a:spLocks noGrp="1" noRot="1" noChangeAspect="1"/>
-          </p:cNvSpPr>
-          <p:nvPr>
-            <p:ph type="sldImg" idx="2"/>
-          </p:nvPr>
-        </p:nvSpPr>
-        <p:spPr>
-          <a:xfrm>
-            <a:off x="381000" y="685800"/>
-            <a:ext cx="6096000" cy="3429000"/>
-          </a:xfrm>
-          <a:custGeom>
-            <a:avLst/>
-            <a:gdLst/>
-            <a:ahLst/>
-            <a:cxnLst/>
-            <a:rect l="l" t="t" r="r" b="b"/>
-            <a:pathLst>
-              <a:path w="120000" h="120000" extrusionOk="0">
-                <a:moveTo>
-                  <a:pt x="0" y="0"/>
-                </a:moveTo>
-                <a:lnTo>
-                  <a:pt x="120000" y="0"/>
-                </a:lnTo>
-                <a:lnTo>
-                  <a:pt x="120000" y="120000"/>
-                </a:lnTo>
-                <a:lnTo>
-                  <a:pt x="0" y="120000"/>
-                </a:lnTo>
-                <a:close/>
-              </a:path>
-            </a:pathLst>
-          </a:custGeom>
-        </p:spPr>
-      </p:sp>
-      <p:sp>
-        <p:nvSpPr>
-          <p:cNvPr id="73" name="Google Shape;73;g3606f1c2d_30:notes"/>
-          <p:cNvSpPr txBox="1">
-            <a:spLocks noGrp="1"/>
-          </p:cNvSpPr>
-          <p:nvPr>
-            <p:ph type="body" idx="1"/>
-          </p:nvPr>
-        </p:nvSpPr>
-        <p:spPr>
-          <a:xfrm>
-            <a:off x="685800" y="4343400"/>
-            <a:ext cx="5486400" cy="4114800"/>
-          </a:xfrm>
-          <a:prstGeom prst="rect">
-            <a:avLst/>
-          </a:prstGeom>
-        </p:spPr>
-        <p:txBody>
-          <a:bodyPr spcFirstLastPara="1" wrap="square" lIns="91425" tIns="91425" rIns="91425" bIns="91425" anchor="t" anchorCtr="0">
-            <a:noAutofit/>
-          </a:bodyPr>
-          <a:lstStyle/>
-          <a:p>
-            <a:pPr marL="0" indent="0">
-              <a:buNone/>
-              <a:defRPr/>
-            </a:pPr>
-            <a:endParaRPr lang="en-US" dirty="0"/>
-          </a:p>
-        </p:txBody>
-      </p:sp>
-    </p:spTree>
-    <p:extLst>
-      <p:ext uri="{BB962C8B-B14F-4D97-AF65-F5344CB8AC3E}">
-        <p14:creationId xmlns:p14="http://schemas.microsoft.com/office/powerpoint/2010/main" val="3549055683"/>
+        <p14:creationId xmlns:p14="http://schemas.microsoft.com/office/powerpoint/2010/main" val="2200989757"/>
       </p:ext>
     </p:extLst>
   </p:cSld>
@@ -1986,7 +1953,7 @@
     </p:spTree>
     <p:extLst>
       <p:ext uri="{BB962C8B-B14F-4D97-AF65-F5344CB8AC3E}">
-        <p14:creationId xmlns:p14="http://schemas.microsoft.com/office/powerpoint/2010/main" val="2596520406"/>
+        <p14:creationId xmlns:p14="http://schemas.microsoft.com/office/powerpoint/2010/main" val="45101852"/>
       </p:ext>
     </p:extLst>
   </p:cSld>
@@ -2090,7 +2057,7 @@
     </p:spTree>
     <p:extLst>
       <p:ext uri="{BB962C8B-B14F-4D97-AF65-F5344CB8AC3E}">
-        <p14:creationId xmlns:p14="http://schemas.microsoft.com/office/powerpoint/2010/main" val="2994242324"/>
+        <p14:creationId xmlns:p14="http://schemas.microsoft.com/office/powerpoint/2010/main" val="3549055683"/>
       </p:ext>
     </p:extLst>
   </p:cSld>
@@ -2105,7 +2072,7 @@
   <p:cSld>
     <p:spTree>
       <p:nvGrpSpPr>
-        <p:cNvPr id="1" name="Shape 163"/>
+        <p:cNvPr id="1" name="Shape 71"/>
         <p:cNvGrpSpPr/>
         <p:nvPr/>
       </p:nvGrpSpPr>
@@ -2119,7 +2086,7 @@
       </p:grpSpPr>
       <p:sp>
         <p:nvSpPr>
-          <p:cNvPr id="164" name="Google Shape;164;g35f391192_073:notes"/>
+          <p:cNvPr id="72" name="Google Shape;72;g3606f1c2d_30:notes"/>
           <p:cNvSpPr>
             <a:spLocks noGrp="1" noRot="1" noChangeAspect="1"/>
           </p:cNvSpPr>
@@ -2160,6 +2127,214 @@
       </p:sp>
       <p:sp>
         <p:nvSpPr>
+          <p:cNvPr id="73" name="Google Shape;73;g3606f1c2d_30:notes"/>
+          <p:cNvSpPr txBox="1">
+            <a:spLocks noGrp="1"/>
+          </p:cNvSpPr>
+          <p:nvPr>
+            <p:ph type="body" idx="1"/>
+          </p:nvPr>
+        </p:nvSpPr>
+        <p:spPr>
+          <a:xfrm>
+            <a:off x="685800" y="4343400"/>
+            <a:ext cx="5486400" cy="4114800"/>
+          </a:xfrm>
+          <a:prstGeom prst="rect">
+            <a:avLst/>
+          </a:prstGeom>
+        </p:spPr>
+        <p:txBody>
+          <a:bodyPr spcFirstLastPara="1" wrap="square" lIns="91425" tIns="91425" rIns="91425" bIns="91425" anchor="t" anchorCtr="0">
+            <a:noAutofit/>
+          </a:bodyPr>
+          <a:lstStyle/>
+          <a:p>
+            <a:pPr marL="0" indent="0">
+              <a:buNone/>
+              <a:defRPr/>
+            </a:pPr>
+            <a:endParaRPr lang="en-US" dirty="0"/>
+          </a:p>
+        </p:txBody>
+      </p:sp>
+    </p:spTree>
+    <p:extLst>
+      <p:ext uri="{BB962C8B-B14F-4D97-AF65-F5344CB8AC3E}">
+        <p14:creationId xmlns:p14="http://schemas.microsoft.com/office/powerpoint/2010/main" val="2596520406"/>
+      </p:ext>
+    </p:extLst>
+  </p:cSld>
+  <p:clrMapOvr>
+    <a:masterClrMapping/>
+  </p:clrMapOvr>
+</p:notes>
+</file>
+
+<file path=ppt/notesSlides/notesSlide23.xml><?xml version="1.0" encoding="utf-8"?>
+<p:notes xmlns:a="http://schemas.openxmlformats.org/drawingml/2006/main" xmlns:r="http://schemas.openxmlformats.org/officeDocument/2006/relationships" xmlns:p="http://schemas.openxmlformats.org/presentationml/2006/main" showMasterSp="0" showMasterPhAnim="0">
+  <p:cSld>
+    <p:spTree>
+      <p:nvGrpSpPr>
+        <p:cNvPr id="1" name="Shape 71"/>
+        <p:cNvGrpSpPr/>
+        <p:nvPr/>
+      </p:nvGrpSpPr>
+      <p:grpSpPr>
+        <a:xfrm>
+          <a:off x="0" y="0"/>
+          <a:ext cx="0" cy="0"/>
+          <a:chOff x="0" y="0"/>
+          <a:chExt cx="0" cy="0"/>
+        </a:xfrm>
+      </p:grpSpPr>
+      <p:sp>
+        <p:nvSpPr>
+          <p:cNvPr id="72" name="Google Shape;72;g3606f1c2d_30:notes"/>
+          <p:cNvSpPr>
+            <a:spLocks noGrp="1" noRot="1" noChangeAspect="1"/>
+          </p:cNvSpPr>
+          <p:nvPr>
+            <p:ph type="sldImg" idx="2"/>
+          </p:nvPr>
+        </p:nvSpPr>
+        <p:spPr>
+          <a:xfrm>
+            <a:off x="381000" y="685800"/>
+            <a:ext cx="6096000" cy="3429000"/>
+          </a:xfrm>
+          <a:custGeom>
+            <a:avLst/>
+            <a:gdLst/>
+            <a:ahLst/>
+            <a:cxnLst/>
+            <a:rect l="l" t="t" r="r" b="b"/>
+            <a:pathLst>
+              <a:path w="120000" h="120000" extrusionOk="0">
+                <a:moveTo>
+                  <a:pt x="0" y="0"/>
+                </a:moveTo>
+                <a:lnTo>
+                  <a:pt x="120000" y="0"/>
+                </a:lnTo>
+                <a:lnTo>
+                  <a:pt x="120000" y="120000"/>
+                </a:lnTo>
+                <a:lnTo>
+                  <a:pt x="0" y="120000"/>
+                </a:lnTo>
+                <a:close/>
+              </a:path>
+            </a:pathLst>
+          </a:custGeom>
+        </p:spPr>
+      </p:sp>
+      <p:sp>
+        <p:nvSpPr>
+          <p:cNvPr id="73" name="Google Shape;73;g3606f1c2d_30:notes"/>
+          <p:cNvSpPr txBox="1">
+            <a:spLocks noGrp="1"/>
+          </p:cNvSpPr>
+          <p:nvPr>
+            <p:ph type="body" idx="1"/>
+          </p:nvPr>
+        </p:nvSpPr>
+        <p:spPr>
+          <a:xfrm>
+            <a:off x="685800" y="4343400"/>
+            <a:ext cx="5486400" cy="4114800"/>
+          </a:xfrm>
+          <a:prstGeom prst="rect">
+            <a:avLst/>
+          </a:prstGeom>
+        </p:spPr>
+        <p:txBody>
+          <a:bodyPr spcFirstLastPara="1" wrap="square" lIns="91425" tIns="91425" rIns="91425" bIns="91425" anchor="t" anchorCtr="0">
+            <a:noAutofit/>
+          </a:bodyPr>
+          <a:lstStyle/>
+          <a:p>
+            <a:pPr marL="0" indent="0">
+              <a:buNone/>
+              <a:defRPr/>
+            </a:pPr>
+            <a:endParaRPr lang="en-US" dirty="0"/>
+          </a:p>
+        </p:txBody>
+      </p:sp>
+    </p:spTree>
+    <p:extLst>
+      <p:ext uri="{BB962C8B-B14F-4D97-AF65-F5344CB8AC3E}">
+        <p14:creationId xmlns:p14="http://schemas.microsoft.com/office/powerpoint/2010/main" val="2994242324"/>
+      </p:ext>
+    </p:extLst>
+  </p:cSld>
+  <p:clrMapOvr>
+    <a:masterClrMapping/>
+  </p:clrMapOvr>
+</p:notes>
+</file>
+
+<file path=ppt/notesSlides/notesSlide24.xml><?xml version="1.0" encoding="utf-8"?>
+<p:notes xmlns:a="http://schemas.openxmlformats.org/drawingml/2006/main" xmlns:r="http://schemas.openxmlformats.org/officeDocument/2006/relationships" xmlns:p="http://schemas.openxmlformats.org/presentationml/2006/main" showMasterSp="0" showMasterPhAnim="0">
+  <p:cSld>
+    <p:spTree>
+      <p:nvGrpSpPr>
+        <p:cNvPr id="1" name="Shape 163"/>
+        <p:cNvGrpSpPr/>
+        <p:nvPr/>
+      </p:nvGrpSpPr>
+      <p:grpSpPr>
+        <a:xfrm>
+          <a:off x="0" y="0"/>
+          <a:ext cx="0" cy="0"/>
+          <a:chOff x="0" y="0"/>
+          <a:chExt cx="0" cy="0"/>
+        </a:xfrm>
+      </p:grpSpPr>
+      <p:sp>
+        <p:nvSpPr>
+          <p:cNvPr id="164" name="Google Shape;164;g35f391192_073:notes"/>
+          <p:cNvSpPr>
+            <a:spLocks noGrp="1" noRot="1" noChangeAspect="1"/>
+          </p:cNvSpPr>
+          <p:nvPr>
+            <p:ph type="sldImg" idx="2"/>
+          </p:nvPr>
+        </p:nvSpPr>
+        <p:spPr>
+          <a:xfrm>
+            <a:off x="381000" y="685800"/>
+            <a:ext cx="6096000" cy="3429000"/>
+          </a:xfrm>
+          <a:custGeom>
+            <a:avLst/>
+            <a:gdLst/>
+            <a:ahLst/>
+            <a:cxnLst/>
+            <a:rect l="l" t="t" r="r" b="b"/>
+            <a:pathLst>
+              <a:path w="120000" h="120000" extrusionOk="0">
+                <a:moveTo>
+                  <a:pt x="0" y="0"/>
+                </a:moveTo>
+                <a:lnTo>
+                  <a:pt x="120000" y="0"/>
+                </a:lnTo>
+                <a:lnTo>
+                  <a:pt x="120000" y="120000"/>
+                </a:lnTo>
+                <a:lnTo>
+                  <a:pt x="0" y="120000"/>
+                </a:lnTo>
+                <a:close/>
+              </a:path>
+            </a:pathLst>
+          </a:custGeom>
+        </p:spPr>
+      </p:sp>
+      <p:sp>
+        <p:nvSpPr>
           <p:cNvPr id="165" name="Google Shape;165;g35f391192_073:notes"/>
           <p:cNvSpPr txBox="1">
             <a:spLocks noGrp="1"/>
@@ -2209,7 +2384,7 @@
 </p:notes>
 </file>
 
-<file path=ppt/notesSlides/notesSlide23.xml><?xml version="1.0" encoding="utf-8"?>
+<file path=ppt/notesSlides/notesSlide25.xml><?xml version="1.0" encoding="utf-8"?>
 <p:notes xmlns:a="http://schemas.openxmlformats.org/drawingml/2006/main" xmlns:r="http://schemas.openxmlformats.org/officeDocument/2006/relationships" xmlns:p="http://schemas.openxmlformats.org/presentationml/2006/main" showMasterSp="0" showMasterPhAnim="0">
   <p:cSld>
     <p:spTree>
@@ -3089,14 +3264,17 @@
               <a:buNone/>
               <a:defRPr/>
             </a:pPr>
-            <a:endParaRPr lang="en-US" dirty="0"/>
+            <a:r>
+              <a:rPr lang="en-US" dirty="0"/>
+              <a:t>However we can also filter the movies beforehand in the filesystem layer to show the results. And this can be done using calcite adapters</a:t>
+            </a:r>
           </a:p>
         </p:txBody>
       </p:sp>
     </p:spTree>
     <p:extLst>
       <p:ext uri="{BB962C8B-B14F-4D97-AF65-F5344CB8AC3E}">
-        <p14:creationId xmlns:p14="http://schemas.microsoft.com/office/powerpoint/2010/main" val="3782976711"/>
+        <p14:creationId xmlns:p14="http://schemas.microsoft.com/office/powerpoint/2010/main" val="4073187273"/>
       </p:ext>
     </p:extLst>
   </p:cSld>
@@ -5511,7 +5689,7 @@
           <a:p>
             <a:fld id="{48AA550D-BF01-4B6D-983D-A670804F0FBD}" type="datetimeFigureOut">
               <a:rPr lang="en-US" smtClean="0"/>
-              <a:t>11/28/2022</a:t>
+              <a:t>12/1/2022</a:t>
             </a:fld>
             <a:endParaRPr lang="en-US"/>
           </a:p>
@@ -7088,6 +7266,16 @@
           <a:lstStyle/>
           <a:p>
             <a:pPr algn="ctr"/>
+            <a:r>
+              <a:rPr lang="en-GB" sz="3600" dirty="0">
+                <a:solidFill>
+                  <a:srgbClr val="6E8898"/>
+                </a:solidFill>
+                <a:latin typeface="Times New Roman" panose="02020603050405020304" pitchFamily="18" charset="0"/>
+                <a:cs typeface="Times New Roman" panose="02020603050405020304" pitchFamily="18" charset="0"/>
+              </a:rPr>
+              <a:t/>
+            </a:r>
             <a:br>
               <a:rPr lang="en-GB" sz="3600" dirty="0">
                 <a:solidFill>
@@ -7097,6 +7285,16 @@
                 <a:cs typeface="Times New Roman" panose="02020603050405020304" pitchFamily="18" charset="0"/>
               </a:rPr>
             </a:br>
+            <a:r>
+              <a:rPr lang="en-GB" sz="3600" dirty="0">
+                <a:solidFill>
+                  <a:srgbClr val="6E8898"/>
+                </a:solidFill>
+                <a:latin typeface="Times New Roman" panose="02020603050405020304" pitchFamily="18" charset="0"/>
+                <a:cs typeface="Times New Roman" panose="02020603050405020304" pitchFamily="18" charset="0"/>
+              </a:rPr>
+              <a:t/>
+            </a:r>
             <a:br>
               <a:rPr lang="en-GB" sz="3600" dirty="0">
                 <a:solidFill>
@@ -7116,6 +7314,16 @@
               </a:rPr>
               <a:t>K-Drama For All </a:t>
             </a:r>
+            <a:r>
+              <a:rPr lang="en-GB" sz="3600" dirty="0">
+                <a:solidFill>
+                  <a:srgbClr val="6E8898"/>
+                </a:solidFill>
+                <a:latin typeface="Times New Roman" panose="02020603050405020304" pitchFamily="18" charset="0"/>
+                <a:cs typeface="Times New Roman" panose="02020603050405020304" pitchFamily="18" charset="0"/>
+              </a:rPr>
+              <a:t/>
+            </a:r>
             <a:br>
               <a:rPr lang="en-GB" sz="3600" dirty="0">
                 <a:solidFill>
@@ -7125,6 +7333,16 @@
                 <a:cs typeface="Times New Roman" panose="02020603050405020304" pitchFamily="18" charset="0"/>
               </a:rPr>
             </a:br>
+            <a:r>
+              <a:rPr lang="en-GB" sz="3600" dirty="0">
+                <a:solidFill>
+                  <a:srgbClr val="6E8898"/>
+                </a:solidFill>
+                <a:latin typeface="Times New Roman" panose="02020603050405020304" pitchFamily="18" charset="0"/>
+                <a:cs typeface="Times New Roman" panose="02020603050405020304" pitchFamily="18" charset="0"/>
+              </a:rPr>
+              <a:t/>
+            </a:r>
             <a:br>
               <a:rPr lang="en-GB" sz="3600" dirty="0">
                 <a:solidFill>
@@ -7972,7 +8190,7 @@
   <p:cSld>
     <p:spTree>
       <p:nvGrpSpPr>
-        <p:cNvPr id="1" name="Shape 74"/>
+        <p:cNvPr id="1" name=""/>
         <p:cNvGrpSpPr/>
         <p:nvPr/>
       </p:nvGrpSpPr>
@@ -7986,58 +8204,10 @@
       </p:grpSpPr>
       <p:sp>
         <p:nvSpPr>
-          <p:cNvPr id="79" name="Google Shape;79;p13"/>
-          <p:cNvSpPr txBox="1">
-            <a:spLocks noGrp="1"/>
-          </p:cNvSpPr>
-          <p:nvPr>
-            <p:ph type="sldNum" idx="12"/>
-          </p:nvPr>
-        </p:nvSpPr>
-        <p:spPr>
-          <a:xfrm>
-            <a:off x="8404384" y="4749851"/>
-            <a:ext cx="548700" cy="393600"/>
-          </a:xfrm>
-          <a:prstGeom prst="rect">
-            <a:avLst/>
-          </a:prstGeom>
-        </p:spPr>
-        <p:txBody>
-          <a:bodyPr spcFirstLastPara="1" wrap="square" lIns="91425" tIns="91425" rIns="91425" bIns="91425" anchor="t" anchorCtr="0">
-            <a:noAutofit/>
-          </a:bodyPr>
-          <a:lstStyle/>
-          <a:p>
-            <a:pPr marL="0" lvl="0" indent="0" algn="r" rtl="0">
-              <a:spcBef>
-                <a:spcPts val="0"/>
-              </a:spcBef>
-              <a:spcAft>
-                <a:spcPts val="0"/>
-              </a:spcAft>
-              <a:buNone/>
-            </a:pPr>
-            <a:fld id="{00000000-1234-1234-1234-123412341234}" type="slidenum">
-              <a:rPr lang="en">
-                <a:latin typeface="Times New Roman" panose="02020603050405020304" pitchFamily="18" charset="0"/>
-                <a:cs typeface="Times New Roman" panose="02020603050405020304" pitchFamily="18" charset="0"/>
-              </a:rPr>
-              <a:t>10</a:t>
-            </a:fld>
-            <a:endParaRPr>
-              <a:latin typeface="Times New Roman" panose="02020603050405020304" pitchFamily="18" charset="0"/>
-              <a:cs typeface="Times New Roman" panose="02020603050405020304" pitchFamily="18" charset="0"/>
-            </a:endParaRPr>
-          </a:p>
-        </p:txBody>
-      </p:sp>
-      <p:sp>
-        <p:nvSpPr>
-          <p:cNvPr id="25" name="Rectangle: Diagonal Corners Snipped 24">
+          <p:cNvPr id="4" name="Rectangle 3">
             <a:extLst>
               <a:ext uri="{FF2B5EF4-FFF2-40B4-BE49-F238E27FC236}">
-                <a16:creationId xmlns:a16="http://schemas.microsoft.com/office/drawing/2014/main" id="{46CC1EAE-2C6A-DB1E-6164-7965C9302131}"/>
+                <a16:creationId xmlns:a16="http://schemas.microsoft.com/office/drawing/2014/main" id="{F83926C2-29F5-95A7-9A48-FCA1CE16F4CE}"/>
               </a:ext>
             </a:extLst>
           </p:cNvPr>
@@ -8046,24 +8216,17 @@
         </p:nvSpPr>
         <p:spPr>
           <a:xfrm>
-            <a:off x="186063" y="157926"/>
-            <a:ext cx="8503920" cy="354672"/>
-          </a:xfrm>
-          <a:prstGeom prst="snip2DiagRect">
-            <a:avLst>
-              <a:gd name="adj1" fmla="val 48337"/>
-              <a:gd name="adj2" fmla="val 16667"/>
-            </a:avLst>
+            <a:off x="410482" y="1371600"/>
+            <a:ext cx="1724114" cy="506339"/>
+          </a:xfrm>
+          <a:prstGeom prst="rect">
+            <a:avLst/>
           </a:prstGeom>
           <a:solidFill>
-            <a:srgbClr val="CDCDCD"/>
+            <a:srgbClr val="0070C0"/>
           </a:solidFill>
           <a:ln>
-            <a:solidFill>
-              <a:schemeClr val="bg2">
-                <a:lumMod val="75000"/>
-              </a:schemeClr>
-            </a:solidFill>
+            <a:noFill/>
           </a:ln>
         </p:spPr>
         <p:style>
@@ -8086,6 +8249,660 @@
           <a:bodyPr rtlCol="0" anchor="ctr"/>
           <a:lstStyle/>
           <a:p>
+            <a:pPr algn="ctr"/>
+            <a:r>
+              <a:rPr lang="en-US" sz="1600" dirty="0"/>
+              <a:t>K-Drama DATA Source</a:t>
+            </a:r>
+          </a:p>
+        </p:txBody>
+      </p:sp>
+      <p:sp>
+        <p:nvSpPr>
+          <p:cNvPr id="5" name="Rectangle 4">
+            <a:extLst>
+              <a:ext uri="{FF2B5EF4-FFF2-40B4-BE49-F238E27FC236}">
+                <a16:creationId xmlns:a16="http://schemas.microsoft.com/office/drawing/2014/main" id="{CD6FEAF7-9640-8A11-4B8F-E2735BBD623F}"/>
+              </a:ext>
+            </a:extLst>
+          </p:cNvPr>
+          <p:cNvSpPr/>
+          <p:nvPr/>
+        </p:nvSpPr>
+        <p:spPr>
+          <a:xfrm>
+            <a:off x="3169706" y="3520436"/>
+            <a:ext cx="1730523" cy="506339"/>
+          </a:xfrm>
+          <a:prstGeom prst="rect">
+            <a:avLst/>
+          </a:prstGeom>
+          <a:solidFill>
+            <a:srgbClr val="0070C0"/>
+          </a:solidFill>
+          <a:ln>
+            <a:noFill/>
+          </a:ln>
+        </p:spPr>
+        <p:style>
+          <a:lnRef idx="2">
+            <a:schemeClr val="accent1">
+              <a:shade val="50000"/>
+            </a:schemeClr>
+          </a:lnRef>
+          <a:fillRef idx="1">
+            <a:schemeClr val="accent1"/>
+          </a:fillRef>
+          <a:effectRef idx="0">
+            <a:schemeClr val="accent1"/>
+          </a:effectRef>
+          <a:fontRef idx="minor">
+            <a:schemeClr val="lt1"/>
+          </a:fontRef>
+        </p:style>
+        <p:txBody>
+          <a:bodyPr rtlCol="0" anchor="ctr"/>
+          <a:lstStyle/>
+          <a:p>
+            <a:pPr algn="ctr"/>
+            <a:r>
+              <a:rPr lang="en-US" sz="1600" dirty="0"/>
+              <a:t>Artist Information on Wiki  </a:t>
+            </a:r>
+          </a:p>
+        </p:txBody>
+      </p:sp>
+      <p:sp>
+        <p:nvSpPr>
+          <p:cNvPr id="6" name="Rectangle 5">
+            <a:extLst>
+              <a:ext uri="{FF2B5EF4-FFF2-40B4-BE49-F238E27FC236}">
+                <a16:creationId xmlns:a16="http://schemas.microsoft.com/office/drawing/2014/main" id="{0ECD160E-C957-AD28-1431-85A753FEC63D}"/>
+              </a:ext>
+            </a:extLst>
+          </p:cNvPr>
+          <p:cNvSpPr/>
+          <p:nvPr/>
+        </p:nvSpPr>
+        <p:spPr>
+          <a:xfrm>
+            <a:off x="3169706" y="1371600"/>
+            <a:ext cx="1730523" cy="506339"/>
+          </a:xfrm>
+          <a:prstGeom prst="rect">
+            <a:avLst/>
+          </a:prstGeom>
+          <a:solidFill>
+            <a:srgbClr val="0070C0"/>
+          </a:solidFill>
+          <a:ln>
+            <a:noFill/>
+          </a:ln>
+        </p:spPr>
+        <p:style>
+          <a:lnRef idx="2">
+            <a:schemeClr val="accent1">
+              <a:shade val="50000"/>
+            </a:schemeClr>
+          </a:lnRef>
+          <a:fillRef idx="1">
+            <a:schemeClr val="accent1"/>
+          </a:fillRef>
+          <a:effectRef idx="0">
+            <a:schemeClr val="accent1"/>
+          </a:effectRef>
+          <a:fontRef idx="minor">
+            <a:schemeClr val="lt1"/>
+          </a:fontRef>
+        </p:style>
+        <p:txBody>
+          <a:bodyPr rtlCol="0" anchor="ctr"/>
+          <a:lstStyle/>
+          <a:p>
+            <a:pPr algn="ctr"/>
+            <a:r>
+              <a:rPr lang="en-US" sz="1600" dirty="0"/>
+              <a:t>Artist Name</a:t>
+            </a:r>
+          </a:p>
+        </p:txBody>
+      </p:sp>
+      <p:cxnSp>
+        <p:nvCxnSpPr>
+          <p:cNvPr id="8" name="Straight Arrow Connector 7">
+            <a:extLst>
+              <a:ext uri="{FF2B5EF4-FFF2-40B4-BE49-F238E27FC236}">
+                <a16:creationId xmlns:a16="http://schemas.microsoft.com/office/drawing/2014/main" id="{53E041C5-4B7F-9A29-F37B-6AD1C57B451D}"/>
+              </a:ext>
+            </a:extLst>
+          </p:cNvPr>
+          <p:cNvCxnSpPr>
+            <a:cxnSpLocks/>
+            <a:stCxn id="4" idx="3"/>
+            <a:endCxn id="6" idx="1"/>
+          </p:cNvCxnSpPr>
+          <p:nvPr/>
+        </p:nvCxnSpPr>
+        <p:spPr>
+          <a:xfrm>
+            <a:off x="2134596" y="1624769"/>
+            <a:ext cx="1035110" cy="0"/>
+          </a:xfrm>
+          <a:prstGeom prst="straightConnector1">
+            <a:avLst/>
+          </a:prstGeom>
+          <a:ln>
+            <a:tailEnd type="triangle"/>
+          </a:ln>
+        </p:spPr>
+        <p:style>
+          <a:lnRef idx="1">
+            <a:schemeClr val="accent1"/>
+          </a:lnRef>
+          <a:fillRef idx="0">
+            <a:schemeClr val="accent1"/>
+          </a:fillRef>
+          <a:effectRef idx="0">
+            <a:schemeClr val="accent1"/>
+          </a:effectRef>
+          <a:fontRef idx="minor">
+            <a:schemeClr val="tx1"/>
+          </a:fontRef>
+        </p:style>
+      </p:cxnSp>
+      <p:sp>
+        <p:nvSpPr>
+          <p:cNvPr id="12" name="Rectangle 11">
+            <a:extLst>
+              <a:ext uri="{FF2B5EF4-FFF2-40B4-BE49-F238E27FC236}">
+                <a16:creationId xmlns:a16="http://schemas.microsoft.com/office/drawing/2014/main" id="{CE70B94A-F10A-537B-AF1F-67FCB5ED5B7A}"/>
+              </a:ext>
+            </a:extLst>
+          </p:cNvPr>
+          <p:cNvSpPr/>
+          <p:nvPr/>
+        </p:nvSpPr>
+        <p:spPr>
+          <a:xfrm>
+            <a:off x="5912906" y="3520436"/>
+            <a:ext cx="1730523" cy="506339"/>
+          </a:xfrm>
+          <a:prstGeom prst="rect">
+            <a:avLst/>
+          </a:prstGeom>
+          <a:solidFill>
+            <a:srgbClr val="0070C0"/>
+          </a:solidFill>
+          <a:ln>
+            <a:noFill/>
+          </a:ln>
+        </p:spPr>
+        <p:style>
+          <a:lnRef idx="2">
+            <a:schemeClr val="accent1">
+              <a:shade val="50000"/>
+            </a:schemeClr>
+          </a:lnRef>
+          <a:fillRef idx="1">
+            <a:schemeClr val="accent1"/>
+          </a:fillRef>
+          <a:effectRef idx="0">
+            <a:schemeClr val="accent1"/>
+          </a:effectRef>
+          <a:fontRef idx="minor">
+            <a:schemeClr val="lt1"/>
+          </a:fontRef>
+        </p:style>
+        <p:txBody>
+          <a:bodyPr rtlCol="0" anchor="ctr"/>
+          <a:lstStyle/>
+          <a:p>
+            <a:pPr algn="ctr"/>
+            <a:r>
+              <a:rPr lang="en-US" sz="1600" dirty="0"/>
+              <a:t>Artist Information in Web format</a:t>
+            </a:r>
+          </a:p>
+        </p:txBody>
+      </p:sp>
+      <p:sp>
+        <p:nvSpPr>
+          <p:cNvPr id="17" name="TextBox 16">
+            <a:extLst>
+              <a:ext uri="{FF2B5EF4-FFF2-40B4-BE49-F238E27FC236}">
+                <a16:creationId xmlns:a16="http://schemas.microsoft.com/office/drawing/2014/main" id="{736C1677-4BF3-5D6C-BC50-FEA8C7C74DCB}"/>
+              </a:ext>
+            </a:extLst>
+          </p:cNvPr>
+          <p:cNvSpPr txBox="1"/>
+          <p:nvPr/>
+        </p:nvSpPr>
+        <p:spPr>
+          <a:xfrm>
+            <a:off x="2134596" y="1366887"/>
+            <a:ext cx="1077539" cy="246221"/>
+          </a:xfrm>
+          <a:prstGeom prst="rect">
+            <a:avLst/>
+          </a:prstGeom>
+          <a:noFill/>
+        </p:spPr>
+        <p:txBody>
+          <a:bodyPr wrap="none" rtlCol="0">
+            <a:spAutoFit/>
+          </a:bodyPr>
+          <a:lstStyle/>
+          <a:p>
+            <a:r>
+              <a:rPr lang="en-US" sz="1000" dirty="0"/>
+              <a:t>Separate Name</a:t>
+            </a:r>
+          </a:p>
+        </p:txBody>
+      </p:sp>
+      <p:sp>
+        <p:nvSpPr>
+          <p:cNvPr id="20" name="Rectangle 19">
+            <a:extLst>
+              <a:ext uri="{FF2B5EF4-FFF2-40B4-BE49-F238E27FC236}">
+                <a16:creationId xmlns:a16="http://schemas.microsoft.com/office/drawing/2014/main" id="{383A72C7-2878-CF8A-9B3C-11CC7FAD7933}"/>
+              </a:ext>
+            </a:extLst>
+          </p:cNvPr>
+          <p:cNvSpPr/>
+          <p:nvPr/>
+        </p:nvSpPr>
+        <p:spPr>
+          <a:xfrm>
+            <a:off x="3169706" y="2456382"/>
+            <a:ext cx="1730523" cy="506339"/>
+          </a:xfrm>
+          <a:prstGeom prst="rect">
+            <a:avLst/>
+          </a:prstGeom>
+          <a:solidFill>
+            <a:srgbClr val="0070C0"/>
+          </a:solidFill>
+          <a:ln>
+            <a:noFill/>
+          </a:ln>
+        </p:spPr>
+        <p:style>
+          <a:lnRef idx="2">
+            <a:schemeClr val="accent1">
+              <a:shade val="50000"/>
+            </a:schemeClr>
+          </a:lnRef>
+          <a:fillRef idx="1">
+            <a:schemeClr val="accent1"/>
+          </a:fillRef>
+          <a:effectRef idx="0">
+            <a:schemeClr val="accent1"/>
+          </a:effectRef>
+          <a:fontRef idx="minor">
+            <a:schemeClr val="lt1"/>
+          </a:fontRef>
+        </p:style>
+        <p:txBody>
+          <a:bodyPr rtlCol="0" anchor="ctr"/>
+          <a:lstStyle/>
+          <a:p>
+            <a:pPr algn="ctr"/>
+            <a:r>
+              <a:rPr lang="en-US" sz="1600" dirty="0"/>
+              <a:t>Generate Link using the Name </a:t>
+            </a:r>
+          </a:p>
+        </p:txBody>
+      </p:sp>
+      <p:cxnSp>
+        <p:nvCxnSpPr>
+          <p:cNvPr id="35" name="Straight Arrow Connector 34">
+            <a:extLst>
+              <a:ext uri="{FF2B5EF4-FFF2-40B4-BE49-F238E27FC236}">
+                <a16:creationId xmlns:a16="http://schemas.microsoft.com/office/drawing/2014/main" id="{597CD798-12EC-3F91-9628-A5AC4764A522}"/>
+              </a:ext>
+            </a:extLst>
+          </p:cNvPr>
+          <p:cNvCxnSpPr>
+            <a:stCxn id="6" idx="2"/>
+            <a:endCxn id="20" idx="0"/>
+          </p:cNvCxnSpPr>
+          <p:nvPr/>
+        </p:nvCxnSpPr>
+        <p:spPr>
+          <a:xfrm>
+            <a:off x="4034967" y="1877938"/>
+            <a:ext cx="1" cy="578444"/>
+          </a:xfrm>
+          <a:prstGeom prst="straightConnector1">
+            <a:avLst/>
+          </a:prstGeom>
+          <a:ln>
+            <a:tailEnd type="triangle"/>
+          </a:ln>
+        </p:spPr>
+        <p:style>
+          <a:lnRef idx="1">
+            <a:schemeClr val="accent1"/>
+          </a:lnRef>
+          <a:fillRef idx="0">
+            <a:schemeClr val="accent1"/>
+          </a:fillRef>
+          <a:effectRef idx="0">
+            <a:schemeClr val="accent1"/>
+          </a:effectRef>
+          <a:fontRef idx="minor">
+            <a:schemeClr val="tx1"/>
+          </a:fontRef>
+        </p:style>
+      </p:cxnSp>
+      <p:cxnSp>
+        <p:nvCxnSpPr>
+          <p:cNvPr id="37" name="Straight Arrow Connector 36">
+            <a:extLst>
+              <a:ext uri="{FF2B5EF4-FFF2-40B4-BE49-F238E27FC236}">
+                <a16:creationId xmlns:a16="http://schemas.microsoft.com/office/drawing/2014/main" id="{40EA50C8-E152-671D-05A3-A89B64F0B28D}"/>
+              </a:ext>
+            </a:extLst>
+          </p:cNvPr>
+          <p:cNvCxnSpPr>
+            <a:stCxn id="20" idx="2"/>
+            <a:endCxn id="5" idx="0"/>
+          </p:cNvCxnSpPr>
+          <p:nvPr/>
+        </p:nvCxnSpPr>
+        <p:spPr>
+          <a:xfrm>
+            <a:off x="4034968" y="2962721"/>
+            <a:ext cx="0" cy="557716"/>
+          </a:xfrm>
+          <a:prstGeom prst="straightConnector1">
+            <a:avLst/>
+          </a:prstGeom>
+          <a:ln>
+            <a:tailEnd type="triangle"/>
+          </a:ln>
+        </p:spPr>
+        <p:style>
+          <a:lnRef idx="1">
+            <a:schemeClr val="accent1"/>
+          </a:lnRef>
+          <a:fillRef idx="0">
+            <a:schemeClr val="accent1"/>
+          </a:fillRef>
+          <a:effectRef idx="0">
+            <a:schemeClr val="accent1"/>
+          </a:effectRef>
+          <a:fontRef idx="minor">
+            <a:schemeClr val="tx1"/>
+          </a:fontRef>
+        </p:style>
+      </p:cxnSp>
+      <p:cxnSp>
+        <p:nvCxnSpPr>
+          <p:cNvPr id="39" name="Straight Arrow Connector 38">
+            <a:extLst>
+              <a:ext uri="{FF2B5EF4-FFF2-40B4-BE49-F238E27FC236}">
+                <a16:creationId xmlns:a16="http://schemas.microsoft.com/office/drawing/2014/main" id="{7D11387E-D000-D051-3826-AAC9CDE37FAE}"/>
+              </a:ext>
+            </a:extLst>
+          </p:cNvPr>
+          <p:cNvCxnSpPr>
+            <a:stCxn id="5" idx="3"/>
+            <a:endCxn id="12" idx="1"/>
+          </p:cNvCxnSpPr>
+          <p:nvPr/>
+        </p:nvCxnSpPr>
+        <p:spPr>
+          <a:xfrm>
+            <a:off x="4900230" y="3773606"/>
+            <a:ext cx="1012676" cy="0"/>
+          </a:xfrm>
+          <a:prstGeom prst="straightConnector1">
+            <a:avLst/>
+          </a:prstGeom>
+          <a:ln>
+            <a:tailEnd type="triangle"/>
+          </a:ln>
+        </p:spPr>
+        <p:style>
+          <a:lnRef idx="1">
+            <a:schemeClr val="accent1"/>
+          </a:lnRef>
+          <a:fillRef idx="0">
+            <a:schemeClr val="accent1"/>
+          </a:fillRef>
+          <a:effectRef idx="0">
+            <a:schemeClr val="accent1"/>
+          </a:effectRef>
+          <a:fontRef idx="minor">
+            <a:schemeClr val="tx1"/>
+          </a:fontRef>
+        </p:style>
+      </p:cxnSp>
+      <p:sp>
+        <p:nvSpPr>
+          <p:cNvPr id="41" name="Rectangle 40">
+            <a:extLst>
+              <a:ext uri="{FF2B5EF4-FFF2-40B4-BE49-F238E27FC236}">
+                <a16:creationId xmlns:a16="http://schemas.microsoft.com/office/drawing/2014/main" id="{F039C8EA-2E65-ADE3-6C8E-BFCC113E3DC5}"/>
+              </a:ext>
+            </a:extLst>
+          </p:cNvPr>
+          <p:cNvSpPr/>
+          <p:nvPr/>
+        </p:nvSpPr>
+        <p:spPr>
+          <a:xfrm>
+            <a:off x="5701550" y="2454794"/>
+            <a:ext cx="2153233" cy="506339"/>
+          </a:xfrm>
+          <a:prstGeom prst="rect">
+            <a:avLst/>
+          </a:prstGeom>
+          <a:solidFill>
+            <a:srgbClr val="0070C0"/>
+          </a:solidFill>
+          <a:ln>
+            <a:noFill/>
+          </a:ln>
+        </p:spPr>
+        <p:style>
+          <a:lnRef idx="2">
+            <a:schemeClr val="accent1">
+              <a:shade val="50000"/>
+            </a:schemeClr>
+          </a:lnRef>
+          <a:fillRef idx="1">
+            <a:schemeClr val="accent1"/>
+          </a:fillRef>
+          <a:effectRef idx="0">
+            <a:schemeClr val="accent1"/>
+          </a:effectRef>
+          <a:fontRef idx="minor">
+            <a:schemeClr val="lt1"/>
+          </a:fontRef>
+        </p:style>
+        <p:txBody>
+          <a:bodyPr rtlCol="0" anchor="ctr"/>
+          <a:lstStyle/>
+          <a:p>
+            <a:pPr algn="ctr"/>
+            <a:r>
+              <a:rPr lang="en-US" sz="1600" dirty="0"/>
+              <a:t>Separated Information as CSV</a:t>
+            </a:r>
+          </a:p>
+        </p:txBody>
+      </p:sp>
+      <p:cxnSp>
+        <p:nvCxnSpPr>
+          <p:cNvPr id="43" name="Straight Arrow Connector 42">
+            <a:extLst>
+              <a:ext uri="{FF2B5EF4-FFF2-40B4-BE49-F238E27FC236}">
+                <a16:creationId xmlns:a16="http://schemas.microsoft.com/office/drawing/2014/main" id="{95550B68-15AA-9B8C-C548-1CF9B63640C4}"/>
+              </a:ext>
+            </a:extLst>
+          </p:cNvPr>
+          <p:cNvCxnSpPr>
+            <a:cxnSpLocks/>
+            <a:stCxn id="12" idx="0"/>
+            <a:endCxn id="41" idx="2"/>
+          </p:cNvCxnSpPr>
+          <p:nvPr/>
+        </p:nvCxnSpPr>
+        <p:spPr>
+          <a:xfrm flipH="1" flipV="1">
+            <a:off x="6778167" y="2961133"/>
+            <a:ext cx="1" cy="559303"/>
+          </a:xfrm>
+          <a:prstGeom prst="straightConnector1">
+            <a:avLst/>
+          </a:prstGeom>
+          <a:ln>
+            <a:tailEnd type="triangle"/>
+          </a:ln>
+        </p:spPr>
+        <p:style>
+          <a:lnRef idx="1">
+            <a:schemeClr val="accent1"/>
+          </a:lnRef>
+          <a:fillRef idx="0">
+            <a:schemeClr val="accent1"/>
+          </a:fillRef>
+          <a:effectRef idx="0">
+            <a:schemeClr val="accent1"/>
+          </a:effectRef>
+          <a:fontRef idx="minor">
+            <a:schemeClr val="tx1"/>
+          </a:fontRef>
+        </p:style>
+      </p:cxnSp>
+      <p:sp>
+        <p:nvSpPr>
+          <p:cNvPr id="44" name="TextBox 43">
+            <a:extLst>
+              <a:ext uri="{FF2B5EF4-FFF2-40B4-BE49-F238E27FC236}">
+                <a16:creationId xmlns:a16="http://schemas.microsoft.com/office/drawing/2014/main" id="{F390CB6C-3AB2-5AE8-3BCF-7E9263B7FA1C}"/>
+              </a:ext>
+            </a:extLst>
+          </p:cNvPr>
+          <p:cNvSpPr txBox="1"/>
+          <p:nvPr/>
+        </p:nvSpPr>
+        <p:spPr>
+          <a:xfrm>
+            <a:off x="4034967" y="3129774"/>
+            <a:ext cx="1503938" cy="261610"/>
+          </a:xfrm>
+          <a:prstGeom prst="rect">
+            <a:avLst/>
+          </a:prstGeom>
+          <a:noFill/>
+        </p:spPr>
+        <p:txBody>
+          <a:bodyPr wrap="none" rtlCol="0">
+            <a:spAutoFit/>
+          </a:bodyPr>
+          <a:lstStyle/>
+          <a:p>
+            <a:r>
+              <a:rPr lang="en-US" sz="1100" dirty="0"/>
+              <a:t>Using Beautiful Soup</a:t>
+            </a:r>
+          </a:p>
+        </p:txBody>
+      </p:sp>
+      <p:sp>
+        <p:nvSpPr>
+          <p:cNvPr id="46" name="TextBox 45">
+            <a:extLst>
+              <a:ext uri="{FF2B5EF4-FFF2-40B4-BE49-F238E27FC236}">
+                <a16:creationId xmlns:a16="http://schemas.microsoft.com/office/drawing/2014/main" id="{DAA65CA6-F602-AFA1-F2EA-8D63A82FDB08}"/>
+              </a:ext>
+            </a:extLst>
+          </p:cNvPr>
+          <p:cNvSpPr txBox="1"/>
+          <p:nvPr/>
+        </p:nvSpPr>
+        <p:spPr>
+          <a:xfrm>
+            <a:off x="6778167" y="3159939"/>
+            <a:ext cx="1963999" cy="261610"/>
+          </a:xfrm>
+          <a:prstGeom prst="rect">
+            <a:avLst/>
+          </a:prstGeom>
+          <a:noFill/>
+        </p:spPr>
+        <p:txBody>
+          <a:bodyPr wrap="none" rtlCol="0">
+            <a:spAutoFit/>
+          </a:bodyPr>
+          <a:lstStyle/>
+          <a:p>
+            <a:r>
+              <a:rPr lang="en-US" sz="1100" dirty="0"/>
+              <a:t>Web Scraping using Python </a:t>
+            </a:r>
+          </a:p>
+        </p:txBody>
+      </p:sp>
+      <p:sp>
+        <p:nvSpPr>
+          <p:cNvPr id="2" name="Rectangle: Diagonal Corners Snipped 1">
+            <a:extLst>
+              <a:ext uri="{FF2B5EF4-FFF2-40B4-BE49-F238E27FC236}">
+                <a16:creationId xmlns:a16="http://schemas.microsoft.com/office/drawing/2014/main" id="{12625ADE-C5F8-0CBC-67E5-714486FCD0CF}"/>
+              </a:ext>
+            </a:extLst>
+          </p:cNvPr>
+          <p:cNvSpPr/>
+          <p:nvPr/>
+        </p:nvSpPr>
+        <p:spPr>
+          <a:xfrm>
+            <a:off x="186063" y="157926"/>
+            <a:ext cx="8503920" cy="354672"/>
+          </a:xfrm>
+          <a:prstGeom prst="snip2DiagRect">
+            <a:avLst>
+              <a:gd name="adj1" fmla="val 48337"/>
+              <a:gd name="adj2" fmla="val 16667"/>
+            </a:avLst>
+          </a:prstGeom>
+          <a:solidFill>
+            <a:srgbClr val="CDCDCD"/>
+          </a:solidFill>
+          <a:ln>
+            <a:solidFill>
+              <a:schemeClr val="bg2">
+                <a:lumMod val="75000"/>
+              </a:schemeClr>
+            </a:solidFill>
+          </a:ln>
+        </p:spPr>
+        <p:style>
+          <a:lnRef idx="2">
+            <a:schemeClr val="accent1">
+              <a:shade val="50000"/>
+            </a:schemeClr>
+          </a:lnRef>
+          <a:fillRef idx="1">
+            <a:schemeClr val="accent1"/>
+          </a:fillRef>
+          <a:effectRef idx="0">
+            <a:schemeClr val="accent1"/>
+          </a:effectRef>
+          <a:fontRef idx="minor">
+            <a:schemeClr val="lt1"/>
+          </a:fontRef>
+        </p:style>
+        <p:txBody>
+          <a:bodyPr rtlCol="0" anchor="ctr"/>
+          <a:lstStyle/>
+          <a:p>
             <a:r>
               <a:rPr lang="en-GB" sz="3200" dirty="0">
                 <a:solidFill>
@@ -8094,45 +8911,15 @@
                 <a:latin typeface="Times New Roman" panose="02020603050405020304" pitchFamily="18" charset="0"/>
                 <a:cs typeface="Times New Roman" panose="02020603050405020304" pitchFamily="18" charset="0"/>
               </a:rPr>
-              <a:t>Schema Diagram</a:t>
+              <a:t>Data Collection and Pre-processing</a:t>
             </a:r>
           </a:p>
         </p:txBody>
       </p:sp>
-      <p:pic>
-        <p:nvPicPr>
-          <p:cNvPr id="4" name="Picture 3">
-            <a:extLst>
-              <a:ext uri="{FF2B5EF4-FFF2-40B4-BE49-F238E27FC236}">
-                <a16:creationId xmlns:a16="http://schemas.microsoft.com/office/drawing/2014/main" id="{59B5198D-4866-C881-F62D-D1264FA51D17}"/>
-              </a:ext>
-            </a:extLst>
-          </p:cNvPr>
-          <p:cNvPicPr>
-            <a:picLocks noChangeAspect="1"/>
-          </p:cNvPicPr>
-          <p:nvPr/>
-        </p:nvPicPr>
-        <p:blipFill>
-          <a:blip r:embed="rId3"/>
-          <a:stretch>
-            <a:fillRect/>
-          </a:stretch>
-        </p:blipFill>
-        <p:spPr>
-          <a:xfrm>
-            <a:off x="780423" y="641294"/>
-            <a:ext cx="7315200" cy="4344280"/>
-          </a:xfrm>
-          <a:prstGeom prst="rect">
-            <a:avLst/>
-          </a:prstGeom>
-        </p:spPr>
-      </p:pic>
     </p:spTree>
     <p:extLst>
       <p:ext uri="{BB962C8B-B14F-4D97-AF65-F5344CB8AC3E}">
-        <p14:creationId xmlns:p14="http://schemas.microsoft.com/office/powerpoint/2010/main" val="1669848231"/>
+        <p14:creationId xmlns:p14="http://schemas.microsoft.com/office/powerpoint/2010/main" val="182999728"/>
       </p:ext>
     </p:extLst>
   </p:cSld>
@@ -8199,6 +8986,181 @@
                 <a:cs typeface="Times New Roman" panose="02020603050405020304" pitchFamily="18" charset="0"/>
               </a:rPr>
               <a:t>11</a:t>
+            </a:fld>
+            <a:endParaRPr>
+              <a:latin typeface="Times New Roman" panose="02020603050405020304" pitchFamily="18" charset="0"/>
+              <a:cs typeface="Times New Roman" panose="02020603050405020304" pitchFamily="18" charset="0"/>
+            </a:endParaRPr>
+          </a:p>
+        </p:txBody>
+      </p:sp>
+      <p:sp>
+        <p:nvSpPr>
+          <p:cNvPr id="25" name="Rectangle: Diagonal Corners Snipped 24">
+            <a:extLst>
+              <a:ext uri="{FF2B5EF4-FFF2-40B4-BE49-F238E27FC236}">
+                <a16:creationId xmlns:a16="http://schemas.microsoft.com/office/drawing/2014/main" id="{46CC1EAE-2C6A-DB1E-6164-7965C9302131}"/>
+              </a:ext>
+            </a:extLst>
+          </p:cNvPr>
+          <p:cNvSpPr/>
+          <p:nvPr/>
+        </p:nvSpPr>
+        <p:spPr>
+          <a:xfrm>
+            <a:off x="186063" y="157926"/>
+            <a:ext cx="8503920" cy="354672"/>
+          </a:xfrm>
+          <a:prstGeom prst="snip2DiagRect">
+            <a:avLst>
+              <a:gd name="adj1" fmla="val 48337"/>
+              <a:gd name="adj2" fmla="val 16667"/>
+            </a:avLst>
+          </a:prstGeom>
+          <a:solidFill>
+            <a:srgbClr val="CDCDCD"/>
+          </a:solidFill>
+          <a:ln>
+            <a:solidFill>
+              <a:schemeClr val="bg2">
+                <a:lumMod val="75000"/>
+              </a:schemeClr>
+            </a:solidFill>
+          </a:ln>
+        </p:spPr>
+        <p:style>
+          <a:lnRef idx="2">
+            <a:schemeClr val="accent1">
+              <a:shade val="50000"/>
+            </a:schemeClr>
+          </a:lnRef>
+          <a:fillRef idx="1">
+            <a:schemeClr val="accent1"/>
+          </a:fillRef>
+          <a:effectRef idx="0">
+            <a:schemeClr val="accent1"/>
+          </a:effectRef>
+          <a:fontRef idx="minor">
+            <a:schemeClr val="lt1"/>
+          </a:fontRef>
+        </p:style>
+        <p:txBody>
+          <a:bodyPr rtlCol="0" anchor="ctr"/>
+          <a:lstStyle/>
+          <a:p>
+            <a:r>
+              <a:rPr lang="en-GB" sz="3200" dirty="0">
+                <a:solidFill>
+                  <a:schemeClr val="tx1"/>
+                </a:solidFill>
+                <a:latin typeface="Times New Roman" panose="02020603050405020304" pitchFamily="18" charset="0"/>
+                <a:cs typeface="Times New Roman" panose="02020603050405020304" pitchFamily="18" charset="0"/>
+              </a:rPr>
+              <a:t>Schema Diagram</a:t>
+            </a:r>
+          </a:p>
+        </p:txBody>
+      </p:sp>
+      <p:pic>
+        <p:nvPicPr>
+          <p:cNvPr id="4" name="Picture 3">
+            <a:extLst>
+              <a:ext uri="{FF2B5EF4-FFF2-40B4-BE49-F238E27FC236}">
+                <a16:creationId xmlns:a16="http://schemas.microsoft.com/office/drawing/2014/main" id="{59B5198D-4866-C881-F62D-D1264FA51D17}"/>
+              </a:ext>
+            </a:extLst>
+          </p:cNvPr>
+          <p:cNvPicPr>
+            <a:picLocks noChangeAspect="1"/>
+          </p:cNvPicPr>
+          <p:nvPr/>
+        </p:nvPicPr>
+        <p:blipFill>
+          <a:blip r:embed="rId3"/>
+          <a:stretch>
+            <a:fillRect/>
+          </a:stretch>
+        </p:blipFill>
+        <p:spPr>
+          <a:xfrm>
+            <a:off x="780423" y="641294"/>
+            <a:ext cx="7315200" cy="4344280"/>
+          </a:xfrm>
+          <a:prstGeom prst="rect">
+            <a:avLst/>
+          </a:prstGeom>
+        </p:spPr>
+      </p:pic>
+    </p:spTree>
+    <p:extLst>
+      <p:ext uri="{BB962C8B-B14F-4D97-AF65-F5344CB8AC3E}">
+        <p14:creationId xmlns:p14="http://schemas.microsoft.com/office/powerpoint/2010/main" val="1669848231"/>
+      </p:ext>
+    </p:extLst>
+  </p:cSld>
+  <p:clrMapOvr>
+    <a:masterClrMapping/>
+  </p:clrMapOvr>
+</p:sld>
+</file>
+
+<file path=ppt/slides/slide12.xml><?xml version="1.0" encoding="utf-8"?>
+<p:sld xmlns:a="http://schemas.openxmlformats.org/drawingml/2006/main" xmlns:r="http://schemas.openxmlformats.org/officeDocument/2006/relationships" xmlns:p="http://schemas.openxmlformats.org/presentationml/2006/main">
+  <p:cSld>
+    <p:spTree>
+      <p:nvGrpSpPr>
+        <p:cNvPr id="1" name="Shape 74"/>
+        <p:cNvGrpSpPr/>
+        <p:nvPr/>
+      </p:nvGrpSpPr>
+      <p:grpSpPr>
+        <a:xfrm>
+          <a:off x="0" y="0"/>
+          <a:ext cx="0" cy="0"/>
+          <a:chOff x="0" y="0"/>
+          <a:chExt cx="0" cy="0"/>
+        </a:xfrm>
+      </p:grpSpPr>
+      <p:sp>
+        <p:nvSpPr>
+          <p:cNvPr id="79" name="Google Shape;79;p13"/>
+          <p:cNvSpPr txBox="1">
+            <a:spLocks noGrp="1"/>
+          </p:cNvSpPr>
+          <p:nvPr>
+            <p:ph type="sldNum" idx="12"/>
+          </p:nvPr>
+        </p:nvSpPr>
+        <p:spPr>
+          <a:xfrm>
+            <a:off x="8404384" y="4749851"/>
+            <a:ext cx="548700" cy="393600"/>
+          </a:xfrm>
+          <a:prstGeom prst="rect">
+            <a:avLst/>
+          </a:prstGeom>
+        </p:spPr>
+        <p:txBody>
+          <a:bodyPr spcFirstLastPara="1" wrap="square" lIns="91425" tIns="91425" rIns="91425" bIns="91425" anchor="t" anchorCtr="0">
+            <a:noAutofit/>
+          </a:bodyPr>
+          <a:lstStyle/>
+          <a:p>
+            <a:pPr marL="0" lvl="0" indent="0" algn="r" rtl="0">
+              <a:spcBef>
+                <a:spcPts val="0"/>
+              </a:spcBef>
+              <a:spcAft>
+                <a:spcPts val="0"/>
+              </a:spcAft>
+              <a:buNone/>
+            </a:pPr>
+            <a:fld id="{00000000-1234-1234-1234-123412341234}" type="slidenum">
+              <a:rPr lang="en">
+                <a:latin typeface="Times New Roman" panose="02020603050405020304" pitchFamily="18" charset="0"/>
+                <a:cs typeface="Times New Roman" panose="02020603050405020304" pitchFamily="18" charset="0"/>
+              </a:rPr>
+              <a:t>12</a:t>
             </a:fld>
             <a:endParaRPr>
               <a:latin typeface="Times New Roman" panose="02020603050405020304" pitchFamily="18" charset="0"/>
@@ -8891,7 +9853,7 @@
 </p:sld>
 </file>
 
-<file path=ppt/slides/slide12.xml><?xml version="1.0" encoding="utf-8"?>
+<file path=ppt/slides/slide13.xml><?xml version="1.0" encoding="utf-8"?>
 <p:sld xmlns:a="http://schemas.openxmlformats.org/drawingml/2006/main" xmlns:r="http://schemas.openxmlformats.org/officeDocument/2006/relationships" xmlns:p="http://schemas.openxmlformats.org/presentationml/2006/main">
   <p:cSld>
     <p:spTree>
@@ -8947,7 +9909,7 @@
                 <a:latin typeface="Times New Roman" panose="02020603050405020304" pitchFamily="18" charset="0"/>
                 <a:cs typeface="Times New Roman" panose="02020603050405020304" pitchFamily="18" charset="0"/>
               </a:rPr>
-              <a:t>12</a:t>
+              <a:t>13</a:t>
             </a:fld>
             <a:endParaRPr>
               <a:latin typeface="Times New Roman" panose="02020603050405020304" pitchFamily="18" charset="0"/>
@@ -9516,7 +10478,7 @@
 </p:sld>
 </file>
 
-<file path=ppt/slides/slide13.xml><?xml version="1.0" encoding="utf-8"?>
+<file path=ppt/slides/slide14.xml><?xml version="1.0" encoding="utf-8"?>
 <p:sld xmlns:a="http://schemas.openxmlformats.org/drawingml/2006/main" xmlns:r="http://schemas.openxmlformats.org/officeDocument/2006/relationships" xmlns:p="http://schemas.openxmlformats.org/presentationml/2006/main">
   <p:cSld>
     <p:spTree>
@@ -9572,7 +10534,7 @@
                 <a:latin typeface="Times New Roman" panose="02020603050405020304" pitchFamily="18" charset="0"/>
                 <a:cs typeface="Times New Roman" panose="02020603050405020304" pitchFamily="18" charset="0"/>
               </a:rPr>
-              <a:t>13</a:t>
+              <a:t>14</a:t>
             </a:fld>
             <a:endParaRPr>
               <a:latin typeface="Times New Roman" panose="02020603050405020304" pitchFamily="18" charset="0"/>
@@ -9796,7 +10758,7 @@
 </p:sld>
 </file>
 
-<file path=ppt/slides/slide14.xml><?xml version="1.0" encoding="utf-8"?>
+<file path=ppt/slides/slide15.xml><?xml version="1.0" encoding="utf-8"?>
 <p:sld xmlns:a="http://schemas.openxmlformats.org/drawingml/2006/main" xmlns:r="http://schemas.openxmlformats.org/officeDocument/2006/relationships" xmlns:p="http://schemas.openxmlformats.org/presentationml/2006/main">
   <p:cSld>
     <p:spTree>
@@ -12455,7 +13417,7 @@
 </p:sld>
 </file>
 
-<file path=ppt/slides/slide15.xml><?xml version="1.0" encoding="utf-8"?>
+<file path=ppt/slides/slide16.xml><?xml version="1.0" encoding="utf-8"?>
 <p:sld xmlns:a="http://schemas.openxmlformats.org/drawingml/2006/main" xmlns:r="http://schemas.openxmlformats.org/officeDocument/2006/relationships" xmlns:p="http://schemas.openxmlformats.org/presentationml/2006/main">
   <p:cSld>
     <p:spTree>
@@ -12511,7 +13473,7 @@
                 <a:latin typeface="Times New Roman" panose="02020603050405020304" pitchFamily="18" charset="0"/>
                 <a:cs typeface="Times New Roman" panose="02020603050405020304" pitchFamily="18" charset="0"/>
               </a:rPr>
-              <a:t>15</a:t>
+              <a:t>16</a:t>
             </a:fld>
             <a:endParaRPr>
               <a:latin typeface="Times New Roman" panose="02020603050405020304" pitchFamily="18" charset="0"/>
@@ -12758,7 +13720,7 @@
 </p:sld>
 </file>
 
-<file path=ppt/slides/slide16.xml><?xml version="1.0" encoding="utf-8"?>
+<file path=ppt/slides/slide17.xml><?xml version="1.0" encoding="utf-8"?>
 <p:sld xmlns:a="http://schemas.openxmlformats.org/drawingml/2006/main" xmlns:r="http://schemas.openxmlformats.org/officeDocument/2006/relationships" xmlns:p="http://schemas.openxmlformats.org/presentationml/2006/main">
   <p:cSld>
     <p:spTree>
@@ -15029,7 +15991,7 @@
 </p:sld>
 </file>
 
-<file path=ppt/slides/slide17.xml><?xml version="1.0" encoding="utf-8"?>
+<file path=ppt/slides/slide18.xml><?xml version="1.0" encoding="utf-8"?>
 <p:sld xmlns:a="http://schemas.openxmlformats.org/drawingml/2006/main" xmlns:r="http://schemas.openxmlformats.org/officeDocument/2006/relationships" xmlns:p="http://schemas.openxmlformats.org/presentationml/2006/main">
   <p:cSld>
     <p:spTree>
@@ -15085,7 +16047,7 @@
                 <a:latin typeface="Times New Roman" panose="02020603050405020304" pitchFamily="18" charset="0"/>
                 <a:cs typeface="Times New Roman" panose="02020603050405020304" pitchFamily="18" charset="0"/>
               </a:rPr>
-              <a:t>17</a:t>
+              <a:t>18</a:t>
             </a:fld>
             <a:endParaRPr>
               <a:latin typeface="Times New Roman" panose="02020603050405020304" pitchFamily="18" charset="0"/>
@@ -15291,7 +16253,7 @@
 </p:sld>
 </file>
 
-<file path=ppt/slides/slide18.xml><?xml version="1.0" encoding="utf-8"?>
+<file path=ppt/slides/slide19.xml><?xml version="1.0" encoding="utf-8"?>
 <p:sld xmlns:a="http://schemas.openxmlformats.org/drawingml/2006/main" xmlns:r="http://schemas.openxmlformats.org/officeDocument/2006/relationships" xmlns:p="http://schemas.openxmlformats.org/presentationml/2006/main">
   <p:cSld>
     <p:spTree>
@@ -16798,7 +17760,716 @@
 </p:sld>
 </file>
 
-<file path=ppt/slides/slide19.xml><?xml version="1.0" encoding="utf-8"?>
+<file path=ppt/slides/slide2.xml><?xml version="1.0" encoding="utf-8"?>
+<p:sld xmlns:a="http://schemas.openxmlformats.org/drawingml/2006/main" xmlns:r="http://schemas.openxmlformats.org/officeDocument/2006/relationships" xmlns:p="http://schemas.openxmlformats.org/presentationml/2006/main">
+  <p:cSld>
+    <p:spTree>
+      <p:nvGrpSpPr>
+        <p:cNvPr id="1" name="Shape 246"/>
+        <p:cNvGrpSpPr/>
+        <p:nvPr/>
+      </p:nvGrpSpPr>
+      <p:grpSpPr>
+        <a:xfrm>
+          <a:off x="0" y="0"/>
+          <a:ext cx="0" cy="0"/>
+          <a:chOff x="0" y="0"/>
+          <a:chExt cx="0" cy="0"/>
+        </a:xfrm>
+      </p:grpSpPr>
+      <p:sp>
+        <p:nvSpPr>
+          <p:cNvPr id="249" name="Google Shape;249;p27"/>
+          <p:cNvSpPr txBox="1">
+            <a:spLocks noGrp="1"/>
+          </p:cNvSpPr>
+          <p:nvPr>
+            <p:ph type="sldNum" idx="12"/>
+          </p:nvPr>
+        </p:nvSpPr>
+        <p:spPr>
+          <a:xfrm>
+            <a:off x="8404384" y="4749851"/>
+            <a:ext cx="548700" cy="393600"/>
+          </a:xfrm>
+          <a:prstGeom prst="rect">
+            <a:avLst/>
+          </a:prstGeom>
+        </p:spPr>
+        <p:txBody>
+          <a:bodyPr spcFirstLastPara="1" vert="horz" wrap="square" lIns="91425" tIns="91425" rIns="91425" bIns="91425" rtlCol="0" anchor="t" anchorCtr="0">
+            <a:noAutofit/>
+          </a:bodyPr>
+          <a:lstStyle/>
+          <a:p>
+            <a:fld id="{00000000-1234-1234-1234-123412341234}" type="slidenum">
+              <a:rPr lang="en">
+                <a:latin typeface="Times New Roman" panose="02020603050405020304" pitchFamily="18" charset="0"/>
+                <a:cs typeface="Times New Roman" panose="02020603050405020304" pitchFamily="18" charset="0"/>
+              </a:rPr>
+              <a:pPr/>
+              <a:t>2</a:t>
+            </a:fld>
+            <a:endParaRPr>
+              <a:latin typeface="Times New Roman" panose="02020603050405020304" pitchFamily="18" charset="0"/>
+              <a:cs typeface="Times New Roman" panose="02020603050405020304" pitchFamily="18" charset="0"/>
+            </a:endParaRPr>
+          </a:p>
+        </p:txBody>
+      </p:sp>
+      <p:sp>
+        <p:nvSpPr>
+          <p:cNvPr id="5" name="Rectangle: Diagonal Corners Snipped 4">
+            <a:extLst>
+              <a:ext uri="{FF2B5EF4-FFF2-40B4-BE49-F238E27FC236}">
+                <a16:creationId xmlns:a16="http://schemas.microsoft.com/office/drawing/2014/main" id="{DCD9094A-1FBB-918A-B8FF-827A1B81420F}"/>
+              </a:ext>
+            </a:extLst>
+          </p:cNvPr>
+          <p:cNvSpPr/>
+          <p:nvPr/>
+        </p:nvSpPr>
+        <p:spPr>
+          <a:xfrm>
+            <a:off x="3666086" y="57703"/>
+            <a:ext cx="1811825" cy="354672"/>
+          </a:xfrm>
+          <a:prstGeom prst="snip2DiagRect">
+            <a:avLst>
+              <a:gd name="adj1" fmla="val 50000"/>
+              <a:gd name="adj2" fmla="val 0"/>
+            </a:avLst>
+          </a:prstGeom>
+          <a:solidFill>
+            <a:srgbClr val="6E8898"/>
+          </a:solidFill>
+          <a:ln>
+            <a:solidFill>
+              <a:srgbClr val="6E8898"/>
+            </a:solidFill>
+          </a:ln>
+        </p:spPr>
+        <p:style>
+          <a:lnRef idx="2">
+            <a:schemeClr val="accent1">
+              <a:shade val="50000"/>
+            </a:schemeClr>
+          </a:lnRef>
+          <a:fillRef idx="1">
+            <a:schemeClr val="accent1"/>
+          </a:fillRef>
+          <a:effectRef idx="0">
+            <a:schemeClr val="accent1"/>
+          </a:effectRef>
+          <a:fontRef idx="minor">
+            <a:schemeClr val="lt1"/>
+          </a:fontRef>
+        </p:style>
+        <p:txBody>
+          <a:bodyPr rtlCol="0" anchor="ctr"/>
+          <a:lstStyle/>
+          <a:p>
+            <a:pPr algn="ctr"/>
+            <a:r>
+              <a:rPr lang="en-GB" sz="2400" dirty="0">
+                <a:solidFill>
+                  <a:schemeClr val="bg1">
+                    <a:lumMod val="95000"/>
+                  </a:schemeClr>
+                </a:solidFill>
+                <a:latin typeface="Times New Roman" panose="02020603050405020304" pitchFamily="18" charset="0"/>
+                <a:cs typeface="Times New Roman" panose="02020603050405020304" pitchFamily="18" charset="0"/>
+              </a:rPr>
+              <a:t>INDEX</a:t>
+            </a:r>
+          </a:p>
+        </p:txBody>
+      </p:sp>
+      <p:sp>
+        <p:nvSpPr>
+          <p:cNvPr id="6" name="Rectangle: Diagonal Corners Snipped 5">
+            <a:extLst>
+              <a:ext uri="{FF2B5EF4-FFF2-40B4-BE49-F238E27FC236}">
+                <a16:creationId xmlns:a16="http://schemas.microsoft.com/office/drawing/2014/main" id="{829B8980-6BA9-8DBF-C278-E5E00EAB552B}"/>
+              </a:ext>
+            </a:extLst>
+          </p:cNvPr>
+          <p:cNvSpPr/>
+          <p:nvPr/>
+        </p:nvSpPr>
+        <p:spPr>
+          <a:xfrm>
+            <a:off x="3133669" y="708318"/>
+            <a:ext cx="3054520" cy="354672"/>
+          </a:xfrm>
+          <a:prstGeom prst="snip2DiagRect">
+            <a:avLst>
+              <a:gd name="adj1" fmla="val 48337"/>
+              <a:gd name="adj2" fmla="val 16667"/>
+            </a:avLst>
+          </a:prstGeom>
+          <a:solidFill>
+            <a:srgbClr val="CDCDCD"/>
+          </a:solidFill>
+          <a:ln>
+            <a:solidFill>
+              <a:srgbClr val="CDCDCD"/>
+            </a:solidFill>
+          </a:ln>
+        </p:spPr>
+        <p:style>
+          <a:lnRef idx="2">
+            <a:schemeClr val="accent1">
+              <a:shade val="50000"/>
+            </a:schemeClr>
+          </a:lnRef>
+          <a:fillRef idx="1">
+            <a:schemeClr val="accent1"/>
+          </a:fillRef>
+          <a:effectRef idx="0">
+            <a:schemeClr val="accent1"/>
+          </a:effectRef>
+          <a:fontRef idx="minor">
+            <a:schemeClr val="lt1"/>
+          </a:fontRef>
+        </p:style>
+        <p:txBody>
+          <a:bodyPr rtlCol="0" anchor="ctr"/>
+          <a:lstStyle/>
+          <a:p>
+            <a:pPr algn="ctr"/>
+            <a:r>
+              <a:rPr lang="en-GB" sz="1800" dirty="0">
+                <a:solidFill>
+                  <a:schemeClr val="tx1"/>
+                </a:solidFill>
+                <a:latin typeface="Times New Roman" panose="02020603050405020304" pitchFamily="18" charset="0"/>
+                <a:cs typeface="Times New Roman" panose="02020603050405020304" pitchFamily="18" charset="0"/>
+              </a:rPr>
+              <a:t>Goal</a:t>
+            </a:r>
+          </a:p>
+        </p:txBody>
+      </p:sp>
+      <p:cxnSp>
+        <p:nvCxnSpPr>
+          <p:cNvPr id="4" name="Straight Connector 3">
+            <a:extLst>
+              <a:ext uri="{FF2B5EF4-FFF2-40B4-BE49-F238E27FC236}">
+                <a16:creationId xmlns:a16="http://schemas.microsoft.com/office/drawing/2014/main" id="{D2043E14-3D75-C469-2404-EB85C461DA82}"/>
+              </a:ext>
+            </a:extLst>
+          </p:cNvPr>
+          <p:cNvCxnSpPr>
+            <a:cxnSpLocks/>
+          </p:cNvCxnSpPr>
+          <p:nvPr/>
+        </p:nvCxnSpPr>
+        <p:spPr>
+          <a:xfrm>
+            <a:off x="3090626" y="566396"/>
+            <a:ext cx="2962747" cy="0"/>
+          </a:xfrm>
+          <a:prstGeom prst="line">
+            <a:avLst/>
+          </a:prstGeom>
+          <a:ln w="76200">
+            <a:solidFill>
+              <a:srgbClr val="40505A"/>
+            </a:solidFill>
+          </a:ln>
+        </p:spPr>
+        <p:style>
+          <a:lnRef idx="1">
+            <a:schemeClr val="accent1"/>
+          </a:lnRef>
+          <a:fillRef idx="0">
+            <a:schemeClr val="accent1"/>
+          </a:fillRef>
+          <a:effectRef idx="0">
+            <a:schemeClr val="accent1"/>
+          </a:effectRef>
+          <a:fontRef idx="minor">
+            <a:schemeClr val="tx1"/>
+          </a:fontRef>
+        </p:style>
+      </p:cxnSp>
+      <p:sp>
+        <p:nvSpPr>
+          <p:cNvPr id="14" name="Rectangle: Diagonal Corners Snipped 13">
+            <a:extLst>
+              <a:ext uri="{FF2B5EF4-FFF2-40B4-BE49-F238E27FC236}">
+                <a16:creationId xmlns:a16="http://schemas.microsoft.com/office/drawing/2014/main" id="{8D0A27D9-346E-4AC7-99A7-EE9D5C593915}"/>
+              </a:ext>
+            </a:extLst>
+          </p:cNvPr>
+          <p:cNvSpPr/>
+          <p:nvPr/>
+        </p:nvSpPr>
+        <p:spPr>
+          <a:xfrm>
+            <a:off x="3133670" y="1204911"/>
+            <a:ext cx="3054519" cy="354672"/>
+          </a:xfrm>
+          <a:prstGeom prst="snip2DiagRect">
+            <a:avLst>
+              <a:gd name="adj1" fmla="val 48337"/>
+              <a:gd name="adj2" fmla="val 16667"/>
+            </a:avLst>
+          </a:prstGeom>
+          <a:solidFill>
+            <a:srgbClr val="CDCDCD"/>
+          </a:solidFill>
+          <a:ln>
+            <a:solidFill>
+              <a:srgbClr val="CDCDCD"/>
+            </a:solidFill>
+          </a:ln>
+        </p:spPr>
+        <p:style>
+          <a:lnRef idx="2">
+            <a:schemeClr val="accent1">
+              <a:shade val="50000"/>
+            </a:schemeClr>
+          </a:lnRef>
+          <a:fillRef idx="1">
+            <a:schemeClr val="accent1"/>
+          </a:fillRef>
+          <a:effectRef idx="0">
+            <a:schemeClr val="accent1"/>
+          </a:effectRef>
+          <a:fontRef idx="minor">
+            <a:schemeClr val="lt1"/>
+          </a:fontRef>
+        </p:style>
+        <p:txBody>
+          <a:bodyPr rtlCol="0" anchor="ctr"/>
+          <a:lstStyle/>
+          <a:p>
+            <a:pPr algn="ctr"/>
+            <a:r>
+              <a:rPr lang="en-GB" sz="1800" dirty="0">
+                <a:solidFill>
+                  <a:schemeClr val="tx1"/>
+                </a:solidFill>
+                <a:latin typeface="Times New Roman" panose="02020603050405020304" pitchFamily="18" charset="0"/>
+                <a:cs typeface="Times New Roman" panose="02020603050405020304" pitchFamily="18" charset="0"/>
+              </a:rPr>
+              <a:t>Calcite Adapters</a:t>
+            </a:r>
+          </a:p>
+        </p:txBody>
+      </p:sp>
+      <p:sp>
+        <p:nvSpPr>
+          <p:cNvPr id="17" name="Rectangle: Diagonal Corners Snipped 16">
+            <a:extLst>
+              <a:ext uri="{FF2B5EF4-FFF2-40B4-BE49-F238E27FC236}">
+                <a16:creationId xmlns:a16="http://schemas.microsoft.com/office/drawing/2014/main" id="{E990B4FB-93E0-4D0C-A11D-55BDE8B4FE90}"/>
+              </a:ext>
+            </a:extLst>
+          </p:cNvPr>
+          <p:cNvSpPr/>
+          <p:nvPr/>
+        </p:nvSpPr>
+        <p:spPr>
+          <a:xfrm>
+            <a:off x="3133669" y="2198097"/>
+            <a:ext cx="3054520" cy="354672"/>
+          </a:xfrm>
+          <a:prstGeom prst="snip2DiagRect">
+            <a:avLst>
+              <a:gd name="adj1" fmla="val 48337"/>
+              <a:gd name="adj2" fmla="val 16667"/>
+            </a:avLst>
+          </a:prstGeom>
+          <a:solidFill>
+            <a:srgbClr val="CDCDCD"/>
+          </a:solidFill>
+          <a:ln>
+            <a:solidFill>
+              <a:srgbClr val="CDCDCD"/>
+            </a:solidFill>
+          </a:ln>
+        </p:spPr>
+        <p:style>
+          <a:lnRef idx="2">
+            <a:schemeClr val="accent1">
+              <a:shade val="50000"/>
+            </a:schemeClr>
+          </a:lnRef>
+          <a:fillRef idx="1">
+            <a:schemeClr val="accent1"/>
+          </a:fillRef>
+          <a:effectRef idx="0">
+            <a:schemeClr val="accent1"/>
+          </a:effectRef>
+          <a:fontRef idx="minor">
+            <a:schemeClr val="lt1"/>
+          </a:fontRef>
+        </p:style>
+        <p:txBody>
+          <a:bodyPr rtlCol="0" anchor="ctr"/>
+          <a:lstStyle/>
+          <a:p>
+            <a:pPr algn="ctr"/>
+            <a:r>
+              <a:rPr lang="en-GB" sz="1800" dirty="0">
+                <a:solidFill>
+                  <a:schemeClr val="tx1"/>
+                </a:solidFill>
+                <a:latin typeface="Times New Roman" panose="02020603050405020304" pitchFamily="18" charset="0"/>
+                <a:cs typeface="Times New Roman" panose="02020603050405020304" pitchFamily="18" charset="0"/>
+              </a:rPr>
+              <a:t>Application Functionalities</a:t>
+            </a:r>
+          </a:p>
+        </p:txBody>
+      </p:sp>
+      <p:sp>
+        <p:nvSpPr>
+          <p:cNvPr id="18" name="Rectangle: Diagonal Corners Snipped 17">
+            <a:extLst>
+              <a:ext uri="{FF2B5EF4-FFF2-40B4-BE49-F238E27FC236}">
+                <a16:creationId xmlns:a16="http://schemas.microsoft.com/office/drawing/2014/main" id="{C9E0EB50-490F-487C-88F1-7A203CF1466E}"/>
+              </a:ext>
+            </a:extLst>
+          </p:cNvPr>
+          <p:cNvSpPr/>
+          <p:nvPr/>
+        </p:nvSpPr>
+        <p:spPr>
+          <a:xfrm>
+            <a:off x="3133669" y="2694690"/>
+            <a:ext cx="3054520" cy="354672"/>
+          </a:xfrm>
+          <a:prstGeom prst="snip2DiagRect">
+            <a:avLst>
+              <a:gd name="adj1" fmla="val 48337"/>
+              <a:gd name="adj2" fmla="val 16667"/>
+            </a:avLst>
+          </a:prstGeom>
+          <a:solidFill>
+            <a:srgbClr val="CDCDCD"/>
+          </a:solidFill>
+          <a:ln>
+            <a:solidFill>
+              <a:srgbClr val="CDCDCD"/>
+            </a:solidFill>
+          </a:ln>
+        </p:spPr>
+        <p:style>
+          <a:lnRef idx="2">
+            <a:schemeClr val="accent1">
+              <a:shade val="50000"/>
+            </a:schemeClr>
+          </a:lnRef>
+          <a:fillRef idx="1">
+            <a:schemeClr val="accent1"/>
+          </a:fillRef>
+          <a:effectRef idx="0">
+            <a:schemeClr val="accent1"/>
+          </a:effectRef>
+          <a:fontRef idx="minor">
+            <a:schemeClr val="lt1"/>
+          </a:fontRef>
+        </p:style>
+        <p:txBody>
+          <a:bodyPr rtlCol="0" anchor="ctr"/>
+          <a:lstStyle/>
+          <a:p>
+            <a:pPr algn="ctr"/>
+            <a:r>
+              <a:rPr lang="en-US" sz="1800" dirty="0">
+                <a:solidFill>
+                  <a:schemeClr val="tx1"/>
+                </a:solidFill>
+                <a:latin typeface="Times New Roman" panose="02020603050405020304" pitchFamily="18" charset="0"/>
+                <a:cs typeface="Times New Roman" panose="02020603050405020304" pitchFamily="18" charset="0"/>
+              </a:rPr>
+              <a:t>Transformation Rules</a:t>
+            </a:r>
+          </a:p>
+        </p:txBody>
+      </p:sp>
+      <p:sp>
+        <p:nvSpPr>
+          <p:cNvPr id="19" name="Rectangle: Diagonal Corners Snipped 18">
+            <a:extLst>
+              <a:ext uri="{FF2B5EF4-FFF2-40B4-BE49-F238E27FC236}">
+                <a16:creationId xmlns:a16="http://schemas.microsoft.com/office/drawing/2014/main" id="{1F3D338E-A863-4BC9-AED4-D6A256919534}"/>
+              </a:ext>
+            </a:extLst>
+          </p:cNvPr>
+          <p:cNvSpPr/>
+          <p:nvPr/>
+        </p:nvSpPr>
+        <p:spPr>
+          <a:xfrm>
+            <a:off x="3133669" y="3191283"/>
+            <a:ext cx="3054520" cy="354672"/>
+          </a:xfrm>
+          <a:prstGeom prst="snip2DiagRect">
+            <a:avLst>
+              <a:gd name="adj1" fmla="val 48337"/>
+              <a:gd name="adj2" fmla="val 16667"/>
+            </a:avLst>
+          </a:prstGeom>
+          <a:solidFill>
+            <a:srgbClr val="CDCDCD"/>
+          </a:solidFill>
+          <a:ln>
+            <a:solidFill>
+              <a:srgbClr val="CDCDCD"/>
+            </a:solidFill>
+          </a:ln>
+        </p:spPr>
+        <p:style>
+          <a:lnRef idx="2">
+            <a:schemeClr val="accent1">
+              <a:shade val="50000"/>
+            </a:schemeClr>
+          </a:lnRef>
+          <a:fillRef idx="1">
+            <a:schemeClr val="accent1"/>
+          </a:fillRef>
+          <a:effectRef idx="0">
+            <a:schemeClr val="accent1"/>
+          </a:effectRef>
+          <a:fontRef idx="minor">
+            <a:schemeClr val="lt1"/>
+          </a:fontRef>
+        </p:style>
+        <p:txBody>
+          <a:bodyPr rtlCol="0" anchor="ctr"/>
+          <a:lstStyle/>
+          <a:p>
+            <a:pPr algn="ctr"/>
+            <a:r>
+              <a:rPr lang="en-GB" sz="1800" dirty="0">
+                <a:solidFill>
+                  <a:schemeClr val="tx1"/>
+                </a:solidFill>
+                <a:latin typeface="Times New Roman" panose="02020603050405020304" pitchFamily="18" charset="0"/>
+                <a:cs typeface="Times New Roman" panose="02020603050405020304" pitchFamily="18" charset="0"/>
+              </a:rPr>
+              <a:t>Role</a:t>
+            </a:r>
+          </a:p>
+        </p:txBody>
+      </p:sp>
+      <p:sp>
+        <p:nvSpPr>
+          <p:cNvPr id="20" name="Rectangle: Diagonal Corners Snipped 19">
+            <a:extLst>
+              <a:ext uri="{FF2B5EF4-FFF2-40B4-BE49-F238E27FC236}">
+                <a16:creationId xmlns:a16="http://schemas.microsoft.com/office/drawing/2014/main" id="{AC697963-23AC-444C-9AAC-4B363CB750CE}"/>
+              </a:ext>
+            </a:extLst>
+          </p:cNvPr>
+          <p:cNvSpPr/>
+          <p:nvPr/>
+        </p:nvSpPr>
+        <p:spPr>
+          <a:xfrm>
+            <a:off x="3133669" y="1701504"/>
+            <a:ext cx="3054520" cy="354672"/>
+          </a:xfrm>
+          <a:prstGeom prst="snip2DiagRect">
+            <a:avLst>
+              <a:gd name="adj1" fmla="val 48337"/>
+              <a:gd name="adj2" fmla="val 16667"/>
+            </a:avLst>
+          </a:prstGeom>
+          <a:solidFill>
+            <a:srgbClr val="CDCDCD"/>
+          </a:solidFill>
+          <a:ln>
+            <a:solidFill>
+              <a:srgbClr val="CDCDCD"/>
+            </a:solidFill>
+          </a:ln>
+        </p:spPr>
+        <p:style>
+          <a:lnRef idx="2">
+            <a:schemeClr val="accent1">
+              <a:shade val="50000"/>
+            </a:schemeClr>
+          </a:lnRef>
+          <a:fillRef idx="1">
+            <a:schemeClr val="accent1"/>
+          </a:fillRef>
+          <a:effectRef idx="0">
+            <a:schemeClr val="accent1"/>
+          </a:effectRef>
+          <a:fontRef idx="minor">
+            <a:schemeClr val="lt1"/>
+          </a:fontRef>
+        </p:style>
+        <p:txBody>
+          <a:bodyPr rtlCol="0" anchor="ctr"/>
+          <a:lstStyle/>
+          <a:p>
+            <a:pPr algn="ctr"/>
+            <a:r>
+              <a:rPr lang="en-GB" sz="1800" dirty="0">
+                <a:solidFill>
+                  <a:schemeClr val="tx1"/>
+                </a:solidFill>
+                <a:latin typeface="Times New Roman" panose="02020603050405020304" pitchFamily="18" charset="0"/>
+                <a:cs typeface="Times New Roman" panose="02020603050405020304" pitchFamily="18" charset="0"/>
+              </a:rPr>
+              <a:t>Data Pre-processing</a:t>
+            </a:r>
+          </a:p>
+        </p:txBody>
+      </p:sp>
+      <p:sp>
+        <p:nvSpPr>
+          <p:cNvPr id="21" name="Rectangle: Diagonal Corners Snipped 20">
+            <a:extLst>
+              <a:ext uri="{FF2B5EF4-FFF2-40B4-BE49-F238E27FC236}">
+                <a16:creationId xmlns:a16="http://schemas.microsoft.com/office/drawing/2014/main" id="{3FA4B18F-EE00-4397-AAE7-219FBEA8E204}"/>
+              </a:ext>
+            </a:extLst>
+          </p:cNvPr>
+          <p:cNvSpPr/>
+          <p:nvPr/>
+        </p:nvSpPr>
+        <p:spPr>
+          <a:xfrm>
+            <a:off x="3133669" y="3687876"/>
+            <a:ext cx="3054520" cy="354672"/>
+          </a:xfrm>
+          <a:prstGeom prst="snip2DiagRect">
+            <a:avLst>
+              <a:gd name="adj1" fmla="val 48337"/>
+              <a:gd name="adj2" fmla="val 16667"/>
+            </a:avLst>
+          </a:prstGeom>
+          <a:solidFill>
+            <a:srgbClr val="CDCDCD"/>
+          </a:solidFill>
+          <a:ln>
+            <a:solidFill>
+              <a:srgbClr val="CDCDCD"/>
+            </a:solidFill>
+          </a:ln>
+        </p:spPr>
+        <p:style>
+          <a:lnRef idx="2">
+            <a:schemeClr val="accent1">
+              <a:shade val="50000"/>
+            </a:schemeClr>
+          </a:lnRef>
+          <a:fillRef idx="1">
+            <a:schemeClr val="accent1"/>
+          </a:fillRef>
+          <a:effectRef idx="0">
+            <a:schemeClr val="accent1"/>
+          </a:effectRef>
+          <a:fontRef idx="minor">
+            <a:schemeClr val="lt1"/>
+          </a:fontRef>
+        </p:style>
+        <p:txBody>
+          <a:bodyPr rtlCol="0" anchor="ctr"/>
+          <a:lstStyle/>
+          <a:p>
+            <a:pPr algn="ctr"/>
+            <a:r>
+              <a:rPr lang="en-GB" sz="1800" dirty="0">
+                <a:solidFill>
+                  <a:schemeClr val="tx1"/>
+                </a:solidFill>
+                <a:latin typeface="Times New Roman" panose="02020603050405020304" pitchFamily="18" charset="0"/>
+                <a:cs typeface="Times New Roman" panose="02020603050405020304" pitchFamily="18" charset="0"/>
+              </a:rPr>
+              <a:t>Timeline</a:t>
+            </a:r>
+          </a:p>
+        </p:txBody>
+      </p:sp>
+      <p:sp>
+        <p:nvSpPr>
+          <p:cNvPr id="22" name="Rectangle: Diagonal Corners Snipped 21">
+            <a:extLst>
+              <a:ext uri="{FF2B5EF4-FFF2-40B4-BE49-F238E27FC236}">
+                <a16:creationId xmlns:a16="http://schemas.microsoft.com/office/drawing/2014/main" id="{F4713136-01CF-4008-84EC-DEBBFC3E114C}"/>
+              </a:ext>
+            </a:extLst>
+          </p:cNvPr>
+          <p:cNvSpPr/>
+          <p:nvPr/>
+        </p:nvSpPr>
+        <p:spPr>
+          <a:xfrm>
+            <a:off x="3133669" y="4184469"/>
+            <a:ext cx="3054520" cy="354672"/>
+          </a:xfrm>
+          <a:prstGeom prst="snip2DiagRect">
+            <a:avLst>
+              <a:gd name="adj1" fmla="val 48337"/>
+              <a:gd name="adj2" fmla="val 16667"/>
+            </a:avLst>
+          </a:prstGeom>
+          <a:solidFill>
+            <a:srgbClr val="CDCDCD"/>
+          </a:solidFill>
+          <a:ln>
+            <a:solidFill>
+              <a:srgbClr val="CDCDCD"/>
+            </a:solidFill>
+          </a:ln>
+        </p:spPr>
+        <p:style>
+          <a:lnRef idx="2">
+            <a:schemeClr val="accent1">
+              <a:shade val="50000"/>
+            </a:schemeClr>
+          </a:lnRef>
+          <a:fillRef idx="1">
+            <a:schemeClr val="accent1"/>
+          </a:fillRef>
+          <a:effectRef idx="0">
+            <a:schemeClr val="accent1"/>
+          </a:effectRef>
+          <a:fontRef idx="minor">
+            <a:schemeClr val="lt1"/>
+          </a:fontRef>
+        </p:style>
+        <p:txBody>
+          <a:bodyPr rtlCol="0" anchor="ctr"/>
+          <a:lstStyle/>
+          <a:p>
+            <a:pPr algn="ctr"/>
+            <a:r>
+              <a:rPr lang="en-GB" sz="1800" dirty="0">
+                <a:solidFill>
+                  <a:schemeClr val="tx1"/>
+                </a:solidFill>
+                <a:latin typeface="Times New Roman" panose="02020603050405020304" pitchFamily="18" charset="0"/>
+                <a:cs typeface="Times New Roman" panose="02020603050405020304" pitchFamily="18" charset="0"/>
+              </a:rPr>
+              <a:t>References</a:t>
+            </a:r>
+          </a:p>
+        </p:txBody>
+      </p:sp>
+    </p:spTree>
+    <p:extLst>
+      <p:ext uri="{BB962C8B-B14F-4D97-AF65-F5344CB8AC3E}">
+        <p14:creationId xmlns:p14="http://schemas.microsoft.com/office/powerpoint/2010/main" val="802117683"/>
+      </p:ext>
+    </p:extLst>
+  </p:cSld>
+  <p:clrMapOvr>
+    <a:masterClrMapping/>
+  </p:clrMapOvr>
+</p:sld>
+</file>
+
+<file path=ppt/slides/slide20.xml><?xml version="1.0" encoding="utf-8"?>
 <p:sld xmlns:a="http://schemas.openxmlformats.org/drawingml/2006/main" xmlns:r="http://schemas.openxmlformats.org/officeDocument/2006/relationships" xmlns:p="http://schemas.openxmlformats.org/presentationml/2006/main">
   <p:cSld>
     <p:spTree>
@@ -18210,12 +19881,12 @@
 </p:sld>
 </file>
 
-<file path=ppt/slides/slide2.xml><?xml version="1.0" encoding="utf-8"?>
+<file path=ppt/slides/slide21.xml><?xml version="1.0" encoding="utf-8"?>
 <p:sld xmlns:a="http://schemas.openxmlformats.org/drawingml/2006/main" xmlns:r="http://schemas.openxmlformats.org/officeDocument/2006/relationships" xmlns:p="http://schemas.openxmlformats.org/presentationml/2006/main">
   <p:cSld>
     <p:spTree>
       <p:nvGrpSpPr>
-        <p:cNvPr id="1" name="Shape 246"/>
+        <p:cNvPr id="1" name=""/>
         <p:cNvGrpSpPr/>
         <p:nvPr/>
       </p:nvGrpSpPr>
@@ -18229,50 +19900,134 @@
       </p:grpSpPr>
       <p:sp>
         <p:nvSpPr>
-          <p:cNvPr id="249" name="Google Shape;249;p27"/>
-          <p:cNvSpPr txBox="1">
-            <a:spLocks noGrp="1"/>
-          </p:cNvSpPr>
-          <p:nvPr>
-            <p:ph type="sldNum" idx="12"/>
-          </p:nvPr>
-        </p:nvSpPr>
-        <p:spPr>
-          <a:xfrm>
-            <a:off x="8404384" y="4749851"/>
-            <a:ext cx="548700" cy="393600"/>
+          <p:cNvPr id="32" name="TextBox 31">
+            <a:extLst>
+              <a:ext uri="{FF2B5EF4-FFF2-40B4-BE49-F238E27FC236}">
+                <a16:creationId xmlns:a16="http://schemas.microsoft.com/office/drawing/2014/main" id="{F0FE8203-47A3-9B33-4BD4-7771A83BD34C}"/>
+              </a:ext>
+            </a:extLst>
+          </p:cNvPr>
+          <p:cNvSpPr txBox="1"/>
+          <p:nvPr/>
+        </p:nvSpPr>
+        <p:spPr>
+          <a:xfrm>
+            <a:off x="1137994" y="878681"/>
+            <a:ext cx="7094433" cy="2314544"/>
           </a:xfrm>
           <a:prstGeom prst="rect">
             <a:avLst/>
           </a:prstGeom>
+          <a:noFill/>
         </p:spPr>
         <p:txBody>
-          <a:bodyPr spcFirstLastPara="1" vert="horz" wrap="square" lIns="91425" tIns="91425" rIns="91425" bIns="91425" rtlCol="0" anchor="t" anchorCtr="0">
-            <a:noAutofit/>
+          <a:bodyPr wrap="square" rtlCol="0">
+            <a:spAutoFit/>
           </a:bodyPr>
           <a:lstStyle/>
           <a:p>
-            <a:fld id="{00000000-1234-1234-1234-123412341234}" type="slidenum">
-              <a:rPr lang="en">
-                <a:latin typeface="Times New Roman" panose="02020603050405020304" pitchFamily="18" charset="0"/>
-                <a:cs typeface="Times New Roman" panose="02020603050405020304" pitchFamily="18" charset="0"/>
-              </a:rPr>
-              <a:pPr/>
-              <a:t>2</a:t>
-            </a:fld>
-            <a:endParaRPr>
-              <a:latin typeface="Times New Roman" panose="02020603050405020304" pitchFamily="18" charset="0"/>
-              <a:cs typeface="Times New Roman" panose="02020603050405020304" pitchFamily="18" charset="0"/>
-            </a:endParaRPr>
+            <a:pPr marL="742950" lvl="1" indent="-285750">
+              <a:lnSpc>
+                <a:spcPct val="150000"/>
+              </a:lnSpc>
+              <a:buFont typeface="Arial" panose="020B0604020202020204" pitchFamily="34" charset="0"/>
+              <a:buChar char="•"/>
+            </a:pPr>
+            <a:r>
+              <a:rPr lang="en-US" dirty="0" smtClean="0"/>
+              <a:t>Create </a:t>
+            </a:r>
+            <a:r>
+              <a:rPr lang="en-US" dirty="0"/>
+              <a:t>JOINs with INNER JOIN (not WHERE)</a:t>
+            </a:r>
+          </a:p>
+          <a:p>
+            <a:pPr marL="742950" lvl="1" indent="-285750">
+              <a:lnSpc>
+                <a:spcPct val="150000"/>
+              </a:lnSpc>
+              <a:buFont typeface="Arial" panose="020B0604020202020204" pitchFamily="34" charset="0"/>
+              <a:buChar char="•"/>
+            </a:pPr>
+            <a:r>
+              <a:rPr lang="en-US" dirty="0"/>
+              <a:t>Use TOP to sample query results</a:t>
+            </a:r>
+          </a:p>
+          <a:p>
+            <a:pPr marL="742950" lvl="1" indent="-285750">
+              <a:lnSpc>
+                <a:spcPct val="150000"/>
+              </a:lnSpc>
+              <a:buFont typeface="Arial" panose="020B0604020202020204" pitchFamily="34" charset="0"/>
+              <a:buChar char="•"/>
+            </a:pPr>
+            <a:r>
+              <a:rPr lang="en-US" dirty="0"/>
+              <a:t>Use SELECT fields instead of SELECT *</a:t>
+            </a:r>
+          </a:p>
+          <a:p>
+            <a:pPr marL="742950" lvl="1" indent="-285750">
+              <a:lnSpc>
+                <a:spcPct val="150000"/>
+              </a:lnSpc>
+              <a:buFont typeface="Arial" panose="020B0604020202020204" pitchFamily="34" charset="0"/>
+              <a:buChar char="•"/>
+            </a:pPr>
+            <a:r>
+              <a:rPr lang="en-US" dirty="0"/>
+              <a:t>Avoid using SELECT DISTINCT</a:t>
+            </a:r>
+          </a:p>
+          <a:p>
+            <a:pPr marL="742950" lvl="1" indent="-285750">
+              <a:lnSpc>
+                <a:spcPct val="150000"/>
+              </a:lnSpc>
+              <a:buFont typeface="Arial" panose="020B0604020202020204" pitchFamily="34" charset="0"/>
+              <a:buChar char="•"/>
+            </a:pPr>
+            <a:r>
+              <a:rPr lang="en-US" dirty="0"/>
+              <a:t>Avoid too many JOINs</a:t>
+            </a:r>
+          </a:p>
+          <a:p>
+            <a:pPr marL="742950" lvl="1" indent="-285750">
+              <a:lnSpc>
+                <a:spcPct val="150000"/>
+              </a:lnSpc>
+              <a:buFont typeface="Arial" panose="020B0604020202020204" pitchFamily="34" charset="0"/>
+              <a:buChar char="•"/>
+            </a:pPr>
+            <a:r>
+              <a:rPr lang="en-US" dirty="0"/>
+              <a:t>Avoid using multiple OR in the FILTER predicate</a:t>
+            </a:r>
+          </a:p>
+          <a:p>
+            <a:pPr marL="742950" lvl="1" indent="-285750">
+              <a:lnSpc>
+                <a:spcPct val="150000"/>
+              </a:lnSpc>
+              <a:buFont typeface="Arial" panose="020B0604020202020204" pitchFamily="34" charset="0"/>
+              <a:buChar char="•"/>
+            </a:pPr>
+            <a:r>
+              <a:rPr lang="en-US" dirty="0"/>
+              <a:t>Avoid using DISTINCT and GROUP BY at the same time</a:t>
+            </a:r>
           </a:p>
         </p:txBody>
       </p:sp>
       <p:sp>
         <p:nvSpPr>
-          <p:cNvPr id="5" name="Rectangle: Diagonal Corners Snipped 4">
+          <p:cNvPr id="33" name="Rectangle: Diagonal Corners Snipped 24">
             <a:extLst>
               <a:ext uri="{FF2B5EF4-FFF2-40B4-BE49-F238E27FC236}">
-                <a16:creationId xmlns:a16="http://schemas.microsoft.com/office/drawing/2014/main" id="{DCD9094A-1FBB-918A-B8FF-827A1B81420F}"/>
+                <a16:creationId xmlns:a16="http://schemas.microsoft.com/office/drawing/2014/main" id="{46CC1EAE-2C6A-DB1E-6164-7965C9302131}"/>
               </a:ext>
             </a:extLst>
           </p:cNvPr>
@@ -18281,21 +20036,23 @@
         </p:nvSpPr>
         <p:spPr>
           <a:xfrm>
-            <a:off x="3666086" y="57703"/>
-            <a:ext cx="1811825" cy="354672"/>
+            <a:off x="186063" y="157925"/>
+            <a:ext cx="8503920" cy="491613"/>
           </a:xfrm>
           <a:prstGeom prst="snip2DiagRect">
             <a:avLst>
-              <a:gd name="adj1" fmla="val 50000"/>
-              <a:gd name="adj2" fmla="val 0"/>
+              <a:gd name="adj1" fmla="val 48337"/>
+              <a:gd name="adj2" fmla="val 16667"/>
             </a:avLst>
           </a:prstGeom>
           <a:solidFill>
-            <a:srgbClr val="6E8898"/>
+            <a:srgbClr val="CDCDCD"/>
           </a:solidFill>
           <a:ln>
             <a:solidFill>
-              <a:srgbClr val="6E8898"/>
+              <a:schemeClr val="bg2">
+                <a:lumMod val="75000"/>
+              </a:schemeClr>
             </a:solidFill>
           </a:ln>
         </p:spPr>
@@ -18319,28 +20076,113 @@
           <a:bodyPr rtlCol="0" anchor="ctr"/>
           <a:lstStyle/>
           <a:p>
-            <a:pPr algn="ctr"/>
-            <a:r>
-              <a:rPr lang="en-GB" sz="2400" dirty="0">
+            <a:r>
+              <a:rPr lang="en-US" sz="3200" dirty="0">
                 <a:solidFill>
-                  <a:schemeClr val="bg1">
-                    <a:lumMod val="95000"/>
-                  </a:schemeClr>
+                  <a:schemeClr val="tx1"/>
                 </a:solidFill>
+              </a:rPr>
+              <a:t>For the general query :</a:t>
+            </a:r>
+            <a:endParaRPr lang="en-US" sz="3200" dirty="0">
+              <a:solidFill>
+                <a:schemeClr val="tx1"/>
+              </a:solidFill>
+            </a:endParaRPr>
+          </a:p>
+        </p:txBody>
+      </p:sp>
+    </p:spTree>
+    <p:extLst>
+      <p:ext uri="{BB962C8B-B14F-4D97-AF65-F5344CB8AC3E}">
+        <p14:creationId xmlns:p14="http://schemas.microsoft.com/office/powerpoint/2010/main" val="1897075433"/>
+      </p:ext>
+    </p:extLst>
+  </p:cSld>
+  <p:clrMapOvr>
+    <a:masterClrMapping/>
+  </p:clrMapOvr>
+  <p:timing>
+    <p:tnLst>
+      <p:par>
+        <p:cTn id="1" dur="indefinite" restart="never" nodeType="tmRoot"/>
+      </p:par>
+    </p:tnLst>
+  </p:timing>
+</p:sld>
+</file>
+
+<file path=ppt/slides/slide22.xml><?xml version="1.0" encoding="utf-8"?>
+<p:sld xmlns:a="http://schemas.openxmlformats.org/drawingml/2006/main" xmlns:r="http://schemas.openxmlformats.org/officeDocument/2006/relationships" xmlns:p="http://schemas.openxmlformats.org/presentationml/2006/main">
+  <p:cSld>
+    <p:spTree>
+      <p:nvGrpSpPr>
+        <p:cNvPr id="1" name="Shape 74"/>
+        <p:cNvGrpSpPr/>
+        <p:nvPr/>
+      </p:nvGrpSpPr>
+      <p:grpSpPr>
+        <a:xfrm>
+          <a:off x="0" y="0"/>
+          <a:ext cx="0" cy="0"/>
+          <a:chOff x="0" y="0"/>
+          <a:chExt cx="0" cy="0"/>
+        </a:xfrm>
+      </p:grpSpPr>
+      <p:sp>
+        <p:nvSpPr>
+          <p:cNvPr id="79" name="Google Shape;79;p13"/>
+          <p:cNvSpPr txBox="1">
+            <a:spLocks noGrp="1"/>
+          </p:cNvSpPr>
+          <p:nvPr>
+            <p:ph type="sldNum" idx="12"/>
+          </p:nvPr>
+        </p:nvSpPr>
+        <p:spPr>
+          <a:xfrm>
+            <a:off x="8404384" y="4749851"/>
+            <a:ext cx="548700" cy="393600"/>
+          </a:xfrm>
+          <a:prstGeom prst="rect">
+            <a:avLst/>
+          </a:prstGeom>
+        </p:spPr>
+        <p:txBody>
+          <a:bodyPr spcFirstLastPara="1" wrap="square" lIns="91425" tIns="91425" rIns="91425" bIns="91425" anchor="t" anchorCtr="0">
+            <a:noAutofit/>
+          </a:bodyPr>
+          <a:lstStyle/>
+          <a:p>
+            <a:pPr marL="0" lvl="0" indent="0" algn="r" rtl="0">
+              <a:spcBef>
+                <a:spcPts val="0"/>
+              </a:spcBef>
+              <a:spcAft>
+                <a:spcPts val="0"/>
+              </a:spcAft>
+              <a:buNone/>
+            </a:pPr>
+            <a:fld id="{00000000-1234-1234-1234-123412341234}" type="slidenum">
+              <a:rPr lang="en">
                 <a:latin typeface="Times New Roman" panose="02020603050405020304" pitchFamily="18" charset="0"/>
                 <a:cs typeface="Times New Roman" panose="02020603050405020304" pitchFamily="18" charset="0"/>
               </a:rPr>
-              <a:t>INDEX</a:t>
-            </a:r>
+              <a:t>22</a:t>
+            </a:fld>
+            <a:endParaRPr>
+              <a:latin typeface="Times New Roman" panose="02020603050405020304" pitchFamily="18" charset="0"/>
+              <a:cs typeface="Times New Roman" panose="02020603050405020304" pitchFamily="18" charset="0"/>
+            </a:endParaRPr>
           </a:p>
         </p:txBody>
       </p:sp>
       <p:sp>
         <p:nvSpPr>
-          <p:cNvPr id="6" name="Rectangle: Diagonal Corners Snipped 5">
+          <p:cNvPr id="25" name="Rectangle: Diagonal Corners Snipped 24">
             <a:extLst>
               <a:ext uri="{FF2B5EF4-FFF2-40B4-BE49-F238E27FC236}">
-                <a16:creationId xmlns:a16="http://schemas.microsoft.com/office/drawing/2014/main" id="{829B8980-6BA9-8DBF-C278-E5E00EAB552B}"/>
+                <a16:creationId xmlns:a16="http://schemas.microsoft.com/office/drawing/2014/main" id="{46CC1EAE-2C6A-DB1E-6164-7965C9302131}"/>
               </a:ext>
             </a:extLst>
           </p:cNvPr>
@@ -18349,8 +20191,8 @@
         </p:nvSpPr>
         <p:spPr>
           <a:xfrm>
-            <a:off x="3133669" y="708318"/>
-            <a:ext cx="3054520" cy="354672"/>
+            <a:off x="186063" y="157926"/>
+            <a:ext cx="8503920" cy="354672"/>
           </a:xfrm>
           <a:prstGeom prst="snip2DiagRect">
             <a:avLst>
@@ -18363,7 +20205,9 @@
           </a:solidFill>
           <a:ln>
             <a:solidFill>
-              <a:srgbClr val="CDCDCD"/>
+              <a:schemeClr val="bg2">
+                <a:lumMod val="75000"/>
+              </a:schemeClr>
             </a:solidFill>
           </a:ln>
         </p:spPr>
@@ -18387,657 +20231,6 @@
           <a:bodyPr rtlCol="0" anchor="ctr"/>
           <a:lstStyle/>
           <a:p>
-            <a:pPr algn="ctr"/>
-            <a:r>
-              <a:rPr lang="en-GB" sz="1800" dirty="0">
-                <a:solidFill>
-                  <a:schemeClr val="tx1"/>
-                </a:solidFill>
-                <a:latin typeface="Times New Roman" panose="02020603050405020304" pitchFamily="18" charset="0"/>
-                <a:cs typeface="Times New Roman" panose="02020603050405020304" pitchFamily="18" charset="0"/>
-              </a:rPr>
-              <a:t>Goal</a:t>
-            </a:r>
-          </a:p>
-        </p:txBody>
-      </p:sp>
-      <p:cxnSp>
-        <p:nvCxnSpPr>
-          <p:cNvPr id="4" name="Straight Connector 3">
-            <a:extLst>
-              <a:ext uri="{FF2B5EF4-FFF2-40B4-BE49-F238E27FC236}">
-                <a16:creationId xmlns:a16="http://schemas.microsoft.com/office/drawing/2014/main" id="{D2043E14-3D75-C469-2404-EB85C461DA82}"/>
-              </a:ext>
-            </a:extLst>
-          </p:cNvPr>
-          <p:cNvCxnSpPr>
-            <a:cxnSpLocks/>
-          </p:cNvCxnSpPr>
-          <p:nvPr/>
-        </p:nvCxnSpPr>
-        <p:spPr>
-          <a:xfrm>
-            <a:off x="3090626" y="566396"/>
-            <a:ext cx="2962747" cy="0"/>
-          </a:xfrm>
-          <a:prstGeom prst="line">
-            <a:avLst/>
-          </a:prstGeom>
-          <a:ln w="76200">
-            <a:solidFill>
-              <a:srgbClr val="40505A"/>
-            </a:solidFill>
-          </a:ln>
-        </p:spPr>
-        <p:style>
-          <a:lnRef idx="1">
-            <a:schemeClr val="accent1"/>
-          </a:lnRef>
-          <a:fillRef idx="0">
-            <a:schemeClr val="accent1"/>
-          </a:fillRef>
-          <a:effectRef idx="0">
-            <a:schemeClr val="accent1"/>
-          </a:effectRef>
-          <a:fontRef idx="minor">
-            <a:schemeClr val="tx1"/>
-          </a:fontRef>
-        </p:style>
-      </p:cxnSp>
-      <p:sp>
-        <p:nvSpPr>
-          <p:cNvPr id="14" name="Rectangle: Diagonal Corners Snipped 13">
-            <a:extLst>
-              <a:ext uri="{FF2B5EF4-FFF2-40B4-BE49-F238E27FC236}">
-                <a16:creationId xmlns:a16="http://schemas.microsoft.com/office/drawing/2014/main" id="{8D0A27D9-346E-4AC7-99A7-EE9D5C593915}"/>
-              </a:ext>
-            </a:extLst>
-          </p:cNvPr>
-          <p:cNvSpPr/>
-          <p:nvPr/>
-        </p:nvSpPr>
-        <p:spPr>
-          <a:xfrm>
-            <a:off x="3133670" y="1204911"/>
-            <a:ext cx="3054519" cy="354672"/>
-          </a:xfrm>
-          <a:prstGeom prst="snip2DiagRect">
-            <a:avLst>
-              <a:gd name="adj1" fmla="val 48337"/>
-              <a:gd name="adj2" fmla="val 16667"/>
-            </a:avLst>
-          </a:prstGeom>
-          <a:solidFill>
-            <a:srgbClr val="CDCDCD"/>
-          </a:solidFill>
-          <a:ln>
-            <a:solidFill>
-              <a:srgbClr val="CDCDCD"/>
-            </a:solidFill>
-          </a:ln>
-        </p:spPr>
-        <p:style>
-          <a:lnRef idx="2">
-            <a:schemeClr val="accent1">
-              <a:shade val="50000"/>
-            </a:schemeClr>
-          </a:lnRef>
-          <a:fillRef idx="1">
-            <a:schemeClr val="accent1"/>
-          </a:fillRef>
-          <a:effectRef idx="0">
-            <a:schemeClr val="accent1"/>
-          </a:effectRef>
-          <a:fontRef idx="minor">
-            <a:schemeClr val="lt1"/>
-          </a:fontRef>
-        </p:style>
-        <p:txBody>
-          <a:bodyPr rtlCol="0" anchor="ctr"/>
-          <a:lstStyle/>
-          <a:p>
-            <a:pPr algn="ctr"/>
-            <a:r>
-              <a:rPr lang="en-GB" sz="1800" dirty="0">
-                <a:solidFill>
-                  <a:schemeClr val="tx1"/>
-                </a:solidFill>
-                <a:latin typeface="Times New Roman" panose="02020603050405020304" pitchFamily="18" charset="0"/>
-                <a:cs typeface="Times New Roman" panose="02020603050405020304" pitchFamily="18" charset="0"/>
-              </a:rPr>
-              <a:t>Calcite Adapters</a:t>
-            </a:r>
-          </a:p>
-        </p:txBody>
-      </p:sp>
-      <p:sp>
-        <p:nvSpPr>
-          <p:cNvPr id="17" name="Rectangle: Diagonal Corners Snipped 16">
-            <a:extLst>
-              <a:ext uri="{FF2B5EF4-FFF2-40B4-BE49-F238E27FC236}">
-                <a16:creationId xmlns:a16="http://schemas.microsoft.com/office/drawing/2014/main" id="{E990B4FB-93E0-4D0C-A11D-55BDE8B4FE90}"/>
-              </a:ext>
-            </a:extLst>
-          </p:cNvPr>
-          <p:cNvSpPr/>
-          <p:nvPr/>
-        </p:nvSpPr>
-        <p:spPr>
-          <a:xfrm>
-            <a:off x="3133669" y="2198097"/>
-            <a:ext cx="3054520" cy="354672"/>
-          </a:xfrm>
-          <a:prstGeom prst="snip2DiagRect">
-            <a:avLst>
-              <a:gd name="adj1" fmla="val 48337"/>
-              <a:gd name="adj2" fmla="val 16667"/>
-            </a:avLst>
-          </a:prstGeom>
-          <a:solidFill>
-            <a:srgbClr val="CDCDCD"/>
-          </a:solidFill>
-          <a:ln>
-            <a:solidFill>
-              <a:srgbClr val="CDCDCD"/>
-            </a:solidFill>
-          </a:ln>
-        </p:spPr>
-        <p:style>
-          <a:lnRef idx="2">
-            <a:schemeClr val="accent1">
-              <a:shade val="50000"/>
-            </a:schemeClr>
-          </a:lnRef>
-          <a:fillRef idx="1">
-            <a:schemeClr val="accent1"/>
-          </a:fillRef>
-          <a:effectRef idx="0">
-            <a:schemeClr val="accent1"/>
-          </a:effectRef>
-          <a:fontRef idx="minor">
-            <a:schemeClr val="lt1"/>
-          </a:fontRef>
-        </p:style>
-        <p:txBody>
-          <a:bodyPr rtlCol="0" anchor="ctr"/>
-          <a:lstStyle/>
-          <a:p>
-            <a:pPr algn="ctr"/>
-            <a:r>
-              <a:rPr lang="en-GB" sz="1800" dirty="0">
-                <a:solidFill>
-                  <a:schemeClr val="tx1"/>
-                </a:solidFill>
-                <a:latin typeface="Times New Roman" panose="02020603050405020304" pitchFamily="18" charset="0"/>
-                <a:cs typeface="Times New Roman" panose="02020603050405020304" pitchFamily="18" charset="0"/>
-              </a:rPr>
-              <a:t>Application Functionalities</a:t>
-            </a:r>
-          </a:p>
-        </p:txBody>
-      </p:sp>
-      <p:sp>
-        <p:nvSpPr>
-          <p:cNvPr id="18" name="Rectangle: Diagonal Corners Snipped 17">
-            <a:extLst>
-              <a:ext uri="{FF2B5EF4-FFF2-40B4-BE49-F238E27FC236}">
-                <a16:creationId xmlns:a16="http://schemas.microsoft.com/office/drawing/2014/main" id="{C9E0EB50-490F-487C-88F1-7A203CF1466E}"/>
-              </a:ext>
-            </a:extLst>
-          </p:cNvPr>
-          <p:cNvSpPr/>
-          <p:nvPr/>
-        </p:nvSpPr>
-        <p:spPr>
-          <a:xfrm>
-            <a:off x="3133669" y="2694690"/>
-            <a:ext cx="3054520" cy="354672"/>
-          </a:xfrm>
-          <a:prstGeom prst="snip2DiagRect">
-            <a:avLst>
-              <a:gd name="adj1" fmla="val 48337"/>
-              <a:gd name="adj2" fmla="val 16667"/>
-            </a:avLst>
-          </a:prstGeom>
-          <a:solidFill>
-            <a:srgbClr val="CDCDCD"/>
-          </a:solidFill>
-          <a:ln>
-            <a:solidFill>
-              <a:srgbClr val="CDCDCD"/>
-            </a:solidFill>
-          </a:ln>
-        </p:spPr>
-        <p:style>
-          <a:lnRef idx="2">
-            <a:schemeClr val="accent1">
-              <a:shade val="50000"/>
-            </a:schemeClr>
-          </a:lnRef>
-          <a:fillRef idx="1">
-            <a:schemeClr val="accent1"/>
-          </a:fillRef>
-          <a:effectRef idx="0">
-            <a:schemeClr val="accent1"/>
-          </a:effectRef>
-          <a:fontRef idx="minor">
-            <a:schemeClr val="lt1"/>
-          </a:fontRef>
-        </p:style>
-        <p:txBody>
-          <a:bodyPr rtlCol="0" anchor="ctr"/>
-          <a:lstStyle/>
-          <a:p>
-            <a:pPr algn="ctr"/>
-            <a:r>
-              <a:rPr lang="en-US" sz="1800" dirty="0">
-                <a:solidFill>
-                  <a:schemeClr val="tx1"/>
-                </a:solidFill>
-                <a:latin typeface="Times New Roman" panose="02020603050405020304" pitchFamily="18" charset="0"/>
-                <a:cs typeface="Times New Roman" panose="02020603050405020304" pitchFamily="18" charset="0"/>
-              </a:rPr>
-              <a:t>Transformation Rules</a:t>
-            </a:r>
-          </a:p>
-        </p:txBody>
-      </p:sp>
-      <p:sp>
-        <p:nvSpPr>
-          <p:cNvPr id="19" name="Rectangle: Diagonal Corners Snipped 18">
-            <a:extLst>
-              <a:ext uri="{FF2B5EF4-FFF2-40B4-BE49-F238E27FC236}">
-                <a16:creationId xmlns:a16="http://schemas.microsoft.com/office/drawing/2014/main" id="{1F3D338E-A863-4BC9-AED4-D6A256919534}"/>
-              </a:ext>
-            </a:extLst>
-          </p:cNvPr>
-          <p:cNvSpPr/>
-          <p:nvPr/>
-        </p:nvSpPr>
-        <p:spPr>
-          <a:xfrm>
-            <a:off x="3133669" y="3191283"/>
-            <a:ext cx="3054520" cy="354672"/>
-          </a:xfrm>
-          <a:prstGeom prst="snip2DiagRect">
-            <a:avLst>
-              <a:gd name="adj1" fmla="val 48337"/>
-              <a:gd name="adj2" fmla="val 16667"/>
-            </a:avLst>
-          </a:prstGeom>
-          <a:solidFill>
-            <a:srgbClr val="CDCDCD"/>
-          </a:solidFill>
-          <a:ln>
-            <a:solidFill>
-              <a:srgbClr val="CDCDCD"/>
-            </a:solidFill>
-          </a:ln>
-        </p:spPr>
-        <p:style>
-          <a:lnRef idx="2">
-            <a:schemeClr val="accent1">
-              <a:shade val="50000"/>
-            </a:schemeClr>
-          </a:lnRef>
-          <a:fillRef idx="1">
-            <a:schemeClr val="accent1"/>
-          </a:fillRef>
-          <a:effectRef idx="0">
-            <a:schemeClr val="accent1"/>
-          </a:effectRef>
-          <a:fontRef idx="minor">
-            <a:schemeClr val="lt1"/>
-          </a:fontRef>
-        </p:style>
-        <p:txBody>
-          <a:bodyPr rtlCol="0" anchor="ctr"/>
-          <a:lstStyle/>
-          <a:p>
-            <a:pPr algn="ctr"/>
-            <a:r>
-              <a:rPr lang="en-GB" sz="1800" dirty="0">
-                <a:solidFill>
-                  <a:schemeClr val="tx1"/>
-                </a:solidFill>
-                <a:latin typeface="Times New Roman" panose="02020603050405020304" pitchFamily="18" charset="0"/>
-                <a:cs typeface="Times New Roman" panose="02020603050405020304" pitchFamily="18" charset="0"/>
-              </a:rPr>
-              <a:t>Role</a:t>
-            </a:r>
-          </a:p>
-        </p:txBody>
-      </p:sp>
-      <p:sp>
-        <p:nvSpPr>
-          <p:cNvPr id="20" name="Rectangle: Diagonal Corners Snipped 19">
-            <a:extLst>
-              <a:ext uri="{FF2B5EF4-FFF2-40B4-BE49-F238E27FC236}">
-                <a16:creationId xmlns:a16="http://schemas.microsoft.com/office/drawing/2014/main" id="{AC697963-23AC-444C-9AAC-4B363CB750CE}"/>
-              </a:ext>
-            </a:extLst>
-          </p:cNvPr>
-          <p:cNvSpPr/>
-          <p:nvPr/>
-        </p:nvSpPr>
-        <p:spPr>
-          <a:xfrm>
-            <a:off x="3133669" y="1701504"/>
-            <a:ext cx="3054520" cy="354672"/>
-          </a:xfrm>
-          <a:prstGeom prst="snip2DiagRect">
-            <a:avLst>
-              <a:gd name="adj1" fmla="val 48337"/>
-              <a:gd name="adj2" fmla="val 16667"/>
-            </a:avLst>
-          </a:prstGeom>
-          <a:solidFill>
-            <a:srgbClr val="CDCDCD"/>
-          </a:solidFill>
-          <a:ln>
-            <a:solidFill>
-              <a:srgbClr val="CDCDCD"/>
-            </a:solidFill>
-          </a:ln>
-        </p:spPr>
-        <p:style>
-          <a:lnRef idx="2">
-            <a:schemeClr val="accent1">
-              <a:shade val="50000"/>
-            </a:schemeClr>
-          </a:lnRef>
-          <a:fillRef idx="1">
-            <a:schemeClr val="accent1"/>
-          </a:fillRef>
-          <a:effectRef idx="0">
-            <a:schemeClr val="accent1"/>
-          </a:effectRef>
-          <a:fontRef idx="minor">
-            <a:schemeClr val="lt1"/>
-          </a:fontRef>
-        </p:style>
-        <p:txBody>
-          <a:bodyPr rtlCol="0" anchor="ctr"/>
-          <a:lstStyle/>
-          <a:p>
-            <a:pPr algn="ctr"/>
-            <a:r>
-              <a:rPr lang="en-GB" sz="1800" dirty="0">
-                <a:solidFill>
-                  <a:schemeClr val="tx1"/>
-                </a:solidFill>
-                <a:latin typeface="Times New Roman" panose="02020603050405020304" pitchFamily="18" charset="0"/>
-                <a:cs typeface="Times New Roman" panose="02020603050405020304" pitchFamily="18" charset="0"/>
-              </a:rPr>
-              <a:t>Data Pre-processing</a:t>
-            </a:r>
-          </a:p>
-        </p:txBody>
-      </p:sp>
-      <p:sp>
-        <p:nvSpPr>
-          <p:cNvPr id="21" name="Rectangle: Diagonal Corners Snipped 20">
-            <a:extLst>
-              <a:ext uri="{FF2B5EF4-FFF2-40B4-BE49-F238E27FC236}">
-                <a16:creationId xmlns:a16="http://schemas.microsoft.com/office/drawing/2014/main" id="{3FA4B18F-EE00-4397-AAE7-219FBEA8E204}"/>
-              </a:ext>
-            </a:extLst>
-          </p:cNvPr>
-          <p:cNvSpPr/>
-          <p:nvPr/>
-        </p:nvSpPr>
-        <p:spPr>
-          <a:xfrm>
-            <a:off x="3133669" y="3687876"/>
-            <a:ext cx="3054520" cy="354672"/>
-          </a:xfrm>
-          <a:prstGeom prst="snip2DiagRect">
-            <a:avLst>
-              <a:gd name="adj1" fmla="val 48337"/>
-              <a:gd name="adj2" fmla="val 16667"/>
-            </a:avLst>
-          </a:prstGeom>
-          <a:solidFill>
-            <a:srgbClr val="CDCDCD"/>
-          </a:solidFill>
-          <a:ln>
-            <a:solidFill>
-              <a:srgbClr val="CDCDCD"/>
-            </a:solidFill>
-          </a:ln>
-        </p:spPr>
-        <p:style>
-          <a:lnRef idx="2">
-            <a:schemeClr val="accent1">
-              <a:shade val="50000"/>
-            </a:schemeClr>
-          </a:lnRef>
-          <a:fillRef idx="1">
-            <a:schemeClr val="accent1"/>
-          </a:fillRef>
-          <a:effectRef idx="0">
-            <a:schemeClr val="accent1"/>
-          </a:effectRef>
-          <a:fontRef idx="minor">
-            <a:schemeClr val="lt1"/>
-          </a:fontRef>
-        </p:style>
-        <p:txBody>
-          <a:bodyPr rtlCol="0" anchor="ctr"/>
-          <a:lstStyle/>
-          <a:p>
-            <a:pPr algn="ctr"/>
-            <a:r>
-              <a:rPr lang="en-GB" sz="1800" dirty="0">
-                <a:solidFill>
-                  <a:schemeClr val="tx1"/>
-                </a:solidFill>
-                <a:latin typeface="Times New Roman" panose="02020603050405020304" pitchFamily="18" charset="0"/>
-                <a:cs typeface="Times New Roman" panose="02020603050405020304" pitchFamily="18" charset="0"/>
-              </a:rPr>
-              <a:t>Timeline</a:t>
-            </a:r>
-          </a:p>
-        </p:txBody>
-      </p:sp>
-      <p:sp>
-        <p:nvSpPr>
-          <p:cNvPr id="22" name="Rectangle: Diagonal Corners Snipped 21">
-            <a:extLst>
-              <a:ext uri="{FF2B5EF4-FFF2-40B4-BE49-F238E27FC236}">
-                <a16:creationId xmlns:a16="http://schemas.microsoft.com/office/drawing/2014/main" id="{F4713136-01CF-4008-84EC-DEBBFC3E114C}"/>
-              </a:ext>
-            </a:extLst>
-          </p:cNvPr>
-          <p:cNvSpPr/>
-          <p:nvPr/>
-        </p:nvSpPr>
-        <p:spPr>
-          <a:xfrm>
-            <a:off x="3133669" y="4184469"/>
-            <a:ext cx="3054520" cy="354672"/>
-          </a:xfrm>
-          <a:prstGeom prst="snip2DiagRect">
-            <a:avLst>
-              <a:gd name="adj1" fmla="val 48337"/>
-              <a:gd name="adj2" fmla="val 16667"/>
-            </a:avLst>
-          </a:prstGeom>
-          <a:solidFill>
-            <a:srgbClr val="CDCDCD"/>
-          </a:solidFill>
-          <a:ln>
-            <a:solidFill>
-              <a:srgbClr val="CDCDCD"/>
-            </a:solidFill>
-          </a:ln>
-        </p:spPr>
-        <p:style>
-          <a:lnRef idx="2">
-            <a:schemeClr val="accent1">
-              <a:shade val="50000"/>
-            </a:schemeClr>
-          </a:lnRef>
-          <a:fillRef idx="1">
-            <a:schemeClr val="accent1"/>
-          </a:fillRef>
-          <a:effectRef idx="0">
-            <a:schemeClr val="accent1"/>
-          </a:effectRef>
-          <a:fontRef idx="minor">
-            <a:schemeClr val="lt1"/>
-          </a:fontRef>
-        </p:style>
-        <p:txBody>
-          <a:bodyPr rtlCol="0" anchor="ctr"/>
-          <a:lstStyle/>
-          <a:p>
-            <a:pPr algn="ctr"/>
-            <a:r>
-              <a:rPr lang="en-GB" sz="1800" dirty="0">
-                <a:solidFill>
-                  <a:schemeClr val="tx1"/>
-                </a:solidFill>
-                <a:latin typeface="Times New Roman" panose="02020603050405020304" pitchFamily="18" charset="0"/>
-                <a:cs typeface="Times New Roman" panose="02020603050405020304" pitchFamily="18" charset="0"/>
-              </a:rPr>
-              <a:t>References</a:t>
-            </a:r>
-          </a:p>
-        </p:txBody>
-      </p:sp>
-    </p:spTree>
-    <p:extLst>
-      <p:ext uri="{BB962C8B-B14F-4D97-AF65-F5344CB8AC3E}">
-        <p14:creationId xmlns:p14="http://schemas.microsoft.com/office/powerpoint/2010/main" val="802117683"/>
-      </p:ext>
-    </p:extLst>
-  </p:cSld>
-  <p:clrMapOvr>
-    <a:masterClrMapping/>
-  </p:clrMapOvr>
-</p:sld>
-</file>
-
-<file path=ppt/slides/slide20.xml><?xml version="1.0" encoding="utf-8"?>
-<p:sld xmlns:a="http://schemas.openxmlformats.org/drawingml/2006/main" xmlns:r="http://schemas.openxmlformats.org/officeDocument/2006/relationships" xmlns:p="http://schemas.openxmlformats.org/presentationml/2006/main">
-  <p:cSld>
-    <p:spTree>
-      <p:nvGrpSpPr>
-        <p:cNvPr id="1" name="Shape 74"/>
-        <p:cNvGrpSpPr/>
-        <p:nvPr/>
-      </p:nvGrpSpPr>
-      <p:grpSpPr>
-        <a:xfrm>
-          <a:off x="0" y="0"/>
-          <a:ext cx="0" cy="0"/>
-          <a:chOff x="0" y="0"/>
-          <a:chExt cx="0" cy="0"/>
-        </a:xfrm>
-      </p:grpSpPr>
-      <p:sp>
-        <p:nvSpPr>
-          <p:cNvPr id="79" name="Google Shape;79;p13"/>
-          <p:cNvSpPr txBox="1">
-            <a:spLocks noGrp="1"/>
-          </p:cNvSpPr>
-          <p:nvPr>
-            <p:ph type="sldNum" idx="12"/>
-          </p:nvPr>
-        </p:nvSpPr>
-        <p:spPr>
-          <a:xfrm>
-            <a:off x="8404384" y="4749851"/>
-            <a:ext cx="548700" cy="393600"/>
-          </a:xfrm>
-          <a:prstGeom prst="rect">
-            <a:avLst/>
-          </a:prstGeom>
-        </p:spPr>
-        <p:txBody>
-          <a:bodyPr spcFirstLastPara="1" wrap="square" lIns="91425" tIns="91425" rIns="91425" bIns="91425" anchor="t" anchorCtr="0">
-            <a:noAutofit/>
-          </a:bodyPr>
-          <a:lstStyle/>
-          <a:p>
-            <a:pPr marL="0" lvl="0" indent="0" algn="r" rtl="0">
-              <a:spcBef>
-                <a:spcPts val="0"/>
-              </a:spcBef>
-              <a:spcAft>
-                <a:spcPts val="0"/>
-              </a:spcAft>
-              <a:buNone/>
-            </a:pPr>
-            <a:fld id="{00000000-1234-1234-1234-123412341234}" type="slidenum">
-              <a:rPr lang="en">
-                <a:latin typeface="Times New Roman" panose="02020603050405020304" pitchFamily="18" charset="0"/>
-                <a:cs typeface="Times New Roman" panose="02020603050405020304" pitchFamily="18" charset="0"/>
-              </a:rPr>
-              <a:t>20</a:t>
-            </a:fld>
-            <a:endParaRPr>
-              <a:latin typeface="Times New Roman" panose="02020603050405020304" pitchFamily="18" charset="0"/>
-              <a:cs typeface="Times New Roman" panose="02020603050405020304" pitchFamily="18" charset="0"/>
-            </a:endParaRPr>
-          </a:p>
-        </p:txBody>
-      </p:sp>
-      <p:sp>
-        <p:nvSpPr>
-          <p:cNvPr id="25" name="Rectangle: Diagonal Corners Snipped 24">
-            <a:extLst>
-              <a:ext uri="{FF2B5EF4-FFF2-40B4-BE49-F238E27FC236}">
-                <a16:creationId xmlns:a16="http://schemas.microsoft.com/office/drawing/2014/main" id="{46CC1EAE-2C6A-DB1E-6164-7965C9302131}"/>
-              </a:ext>
-            </a:extLst>
-          </p:cNvPr>
-          <p:cNvSpPr/>
-          <p:nvPr/>
-        </p:nvSpPr>
-        <p:spPr>
-          <a:xfrm>
-            <a:off x="186063" y="157926"/>
-            <a:ext cx="8503920" cy="354672"/>
-          </a:xfrm>
-          <a:prstGeom prst="snip2DiagRect">
-            <a:avLst>
-              <a:gd name="adj1" fmla="val 48337"/>
-              <a:gd name="adj2" fmla="val 16667"/>
-            </a:avLst>
-          </a:prstGeom>
-          <a:solidFill>
-            <a:srgbClr val="CDCDCD"/>
-          </a:solidFill>
-          <a:ln>
-            <a:solidFill>
-              <a:schemeClr val="bg2">
-                <a:lumMod val="75000"/>
-              </a:schemeClr>
-            </a:solidFill>
-          </a:ln>
-        </p:spPr>
-        <p:style>
-          <a:lnRef idx="2">
-            <a:schemeClr val="accent1">
-              <a:shade val="50000"/>
-            </a:schemeClr>
-          </a:lnRef>
-          <a:fillRef idx="1">
-            <a:schemeClr val="accent1"/>
-          </a:fillRef>
-          <a:effectRef idx="0">
-            <a:schemeClr val="accent1"/>
-          </a:effectRef>
-          <a:fontRef idx="minor">
-            <a:schemeClr val="lt1"/>
-          </a:fontRef>
-        </p:style>
-        <p:txBody>
-          <a:bodyPr rtlCol="0" anchor="ctr"/>
-          <a:lstStyle/>
-          <a:p>
             <a:r>
               <a:rPr lang="en-GB" sz="3200" dirty="0">
                 <a:solidFill>
@@ -19409,7 +20602,7 @@
 </p:sld>
 </file>
 
-<file path=ppt/slides/slide21.xml><?xml version="1.0" encoding="utf-8"?>
+<file path=ppt/slides/slide23.xml><?xml version="1.0" encoding="utf-8"?>
 <p:sld xmlns:a="http://schemas.openxmlformats.org/drawingml/2006/main" xmlns:r="http://schemas.openxmlformats.org/officeDocument/2006/relationships" xmlns:p="http://schemas.openxmlformats.org/presentationml/2006/main">
   <p:cSld>
     <p:spTree>
@@ -19559,7 +20752,7 @@
                 <a:latin typeface="Times New Roman" panose="02020603050405020304" pitchFamily="18" charset="0"/>
                 <a:cs typeface="Times New Roman" panose="02020603050405020304" pitchFamily="18" charset="0"/>
               </a:rPr>
-              <a:t>21</a:t>
+              <a:t>23</a:t>
             </a:fld>
             <a:endParaRPr>
               <a:latin typeface="Times New Roman" panose="02020603050405020304" pitchFamily="18" charset="0"/>
@@ -19843,7 +21036,7 @@
 </p:sld>
 </file>
 
-<file path=ppt/slides/slide22.xml><?xml version="1.0" encoding="utf-8"?>
+<file path=ppt/slides/slide24.xml><?xml version="1.0" encoding="utf-8"?>
 <p:sld xmlns:a="http://schemas.openxmlformats.org/drawingml/2006/main" xmlns:r="http://schemas.openxmlformats.org/officeDocument/2006/relationships" xmlns:p="http://schemas.openxmlformats.org/presentationml/2006/main">
   <p:cSld>
     <p:spTree>
@@ -19899,7 +21092,7 @@
                 <a:latin typeface="Times New Roman" panose="02020603050405020304" pitchFamily="18" charset="0"/>
                 <a:cs typeface="Times New Roman" panose="02020603050405020304" pitchFamily="18" charset="0"/>
               </a:rPr>
-              <a:t>22</a:t>
+              <a:t>24</a:t>
             </a:fld>
             <a:endParaRPr>
               <a:latin typeface="Times New Roman" panose="02020603050405020304" pitchFamily="18" charset="0"/>
@@ -20018,7 +21211,7 @@
 </p:sld>
 </file>
 
-<file path=ppt/slides/slide23.xml><?xml version="1.0" encoding="utf-8"?>
+<file path=ppt/slides/slide25.xml><?xml version="1.0" encoding="utf-8"?>
 <p:sld xmlns:a="http://schemas.openxmlformats.org/drawingml/2006/main" xmlns:r="http://schemas.openxmlformats.org/officeDocument/2006/relationships" xmlns:p="http://schemas.openxmlformats.org/presentationml/2006/main">
   <p:cSld>
     <p:spTree>
@@ -20074,7 +21267,7 @@
                 <a:latin typeface="Times New Roman" panose="02020603050405020304" pitchFamily="18" charset="0"/>
                 <a:cs typeface="Times New Roman" panose="02020603050405020304" pitchFamily="18" charset="0"/>
               </a:rPr>
-              <a:t>23</a:t>
+              <a:t>25</a:t>
             </a:fld>
             <a:endParaRPr>
               <a:latin typeface="Times New Roman" panose="02020603050405020304" pitchFamily="18" charset="0"/>
@@ -20262,7 +21455,7 @@
 </p:sld>
 </file>
 
-<file path=ppt/slides/slide24.xml><?xml version="1.0" encoding="utf-8"?>
+<file path=ppt/slides/slide26.xml><?xml version="1.0" encoding="utf-8"?>
 <p:sld xmlns:a="http://schemas.openxmlformats.org/drawingml/2006/main" xmlns:r="http://schemas.openxmlformats.org/officeDocument/2006/relationships" xmlns:p="http://schemas.openxmlformats.org/presentationml/2006/main">
   <p:cSld>
     <p:spTree>
@@ -20318,7 +21511,7 @@
                 <a:latin typeface="Times New Roman" panose="02020603050405020304" pitchFamily="18" charset="0"/>
                 <a:cs typeface="Times New Roman" panose="02020603050405020304" pitchFamily="18" charset="0"/>
               </a:rPr>
-              <a:t>24</a:t>
+              <a:t>26</a:t>
             </a:fld>
             <a:endParaRPr dirty="0">
               <a:latin typeface="Times New Roman" panose="02020603050405020304" pitchFamily="18" charset="0"/>
@@ -20728,7 +21921,7 @@
 </p:sld>
 </file>
 
-<file path=ppt/slides/slide25.xml><?xml version="1.0" encoding="utf-8"?>
+<file path=ppt/slides/slide27.xml><?xml version="1.0" encoding="utf-8"?>
 <p:sld xmlns:a="http://schemas.openxmlformats.org/drawingml/2006/main" xmlns:r="http://schemas.openxmlformats.org/officeDocument/2006/relationships" xmlns:p="http://schemas.openxmlformats.org/presentationml/2006/main">
   <p:cSld>
     <p:spTree>
@@ -25971,7 +27164,7 @@
   <p:cSld>
     <p:spTree>
       <p:nvGrpSpPr>
-        <p:cNvPr id="1" name=""/>
+        <p:cNvPr id="1" name="Shape 74"/>
         <p:cNvGrpSpPr/>
         <p:nvPr/>
       </p:nvGrpSpPr>
@@ -25985,10 +27178,58 @@
       </p:grpSpPr>
       <p:sp>
         <p:nvSpPr>
-          <p:cNvPr id="4" name="Rectangle 3">
+          <p:cNvPr id="79" name="Google Shape;79;p13"/>
+          <p:cNvSpPr txBox="1">
+            <a:spLocks noGrp="1"/>
+          </p:cNvSpPr>
+          <p:nvPr>
+            <p:ph type="sldNum" idx="12"/>
+          </p:nvPr>
+        </p:nvSpPr>
+        <p:spPr>
+          <a:xfrm>
+            <a:off x="8404384" y="4749851"/>
+            <a:ext cx="548700" cy="393600"/>
+          </a:xfrm>
+          <a:prstGeom prst="rect">
+            <a:avLst/>
+          </a:prstGeom>
+        </p:spPr>
+        <p:txBody>
+          <a:bodyPr spcFirstLastPara="1" wrap="square" lIns="91425" tIns="91425" rIns="91425" bIns="91425" anchor="t" anchorCtr="0">
+            <a:noAutofit/>
+          </a:bodyPr>
+          <a:lstStyle/>
+          <a:p>
+            <a:pPr marL="0" lvl="0" indent="0" algn="r" rtl="0">
+              <a:spcBef>
+                <a:spcPts val="0"/>
+              </a:spcBef>
+              <a:spcAft>
+                <a:spcPts val="0"/>
+              </a:spcAft>
+              <a:buNone/>
+            </a:pPr>
+            <a:fld id="{00000000-1234-1234-1234-123412341234}" type="slidenum">
+              <a:rPr lang="en">
+                <a:latin typeface="Times New Roman" panose="02020603050405020304" pitchFamily="18" charset="0"/>
+                <a:cs typeface="Times New Roman" panose="02020603050405020304" pitchFamily="18" charset="0"/>
+              </a:rPr>
+              <a:t>9</a:t>
+            </a:fld>
+            <a:endParaRPr>
+              <a:latin typeface="Times New Roman" panose="02020603050405020304" pitchFamily="18" charset="0"/>
+              <a:cs typeface="Times New Roman" panose="02020603050405020304" pitchFamily="18" charset="0"/>
+            </a:endParaRPr>
+          </a:p>
+        </p:txBody>
+      </p:sp>
+      <p:sp>
+        <p:nvSpPr>
+          <p:cNvPr id="25" name="Rectangle: Diagonal Corners Snipped 24">
             <a:extLst>
               <a:ext uri="{FF2B5EF4-FFF2-40B4-BE49-F238E27FC236}">
-                <a16:creationId xmlns:a16="http://schemas.microsoft.com/office/drawing/2014/main" id="{F83926C2-29F5-95A7-9A48-FCA1CE16F4CE}"/>
+                <a16:creationId xmlns:a16="http://schemas.microsoft.com/office/drawing/2014/main" id="{46CC1EAE-2C6A-DB1E-6164-7965C9302131}"/>
               </a:ext>
             </a:extLst>
           </p:cNvPr>
@@ -25997,17 +27238,24 @@
         </p:nvSpPr>
         <p:spPr>
           <a:xfrm>
-            <a:off x="410482" y="1371600"/>
-            <a:ext cx="1724114" cy="506339"/>
-          </a:xfrm>
-          <a:prstGeom prst="rect">
-            <a:avLst/>
+            <a:off x="186063" y="157926"/>
+            <a:ext cx="8503920" cy="354672"/>
+          </a:xfrm>
+          <a:prstGeom prst="snip2DiagRect">
+            <a:avLst>
+              <a:gd name="adj1" fmla="val 48337"/>
+              <a:gd name="adj2" fmla="val 16667"/>
+            </a:avLst>
           </a:prstGeom>
           <a:solidFill>
-            <a:srgbClr val="0070C0"/>
+            <a:srgbClr val="CDCDCD"/>
           </a:solidFill>
           <a:ln>
-            <a:noFill/>
+            <a:solidFill>
+              <a:schemeClr val="bg2">
+                <a:lumMod val="75000"/>
+              </a:schemeClr>
+            </a:solidFill>
           </a:ln>
         </p:spPr>
         <p:style>
@@ -26030,52 +27278,52 @@
           <a:bodyPr rtlCol="0" anchor="ctr"/>
           <a:lstStyle/>
           <a:p>
-            <a:pPr algn="ctr"/>
-            <a:r>
-              <a:rPr lang="en-US" sz="1600" dirty="0"/>
-              <a:t>K-Drama DATA Source</a:t>
-            </a:r>
+            <a:r>
+              <a:rPr lang="en-GB" sz="3200" dirty="0" smtClean="0">
+                <a:solidFill>
+                  <a:schemeClr val="tx1"/>
+                </a:solidFill>
+                <a:latin typeface="Times New Roman" panose="02020603050405020304" pitchFamily="18" charset="0"/>
+                <a:cs typeface="Times New Roman" panose="02020603050405020304" pitchFamily="18" charset="0"/>
+              </a:rPr>
+              <a:t>Justification for using various data source</a:t>
+            </a:r>
+            <a:endParaRPr lang="en-GB" sz="3200" dirty="0">
+              <a:solidFill>
+                <a:schemeClr val="tx1"/>
+              </a:solidFill>
+              <a:latin typeface="Times New Roman" panose="02020603050405020304" pitchFamily="18" charset="0"/>
+              <a:cs typeface="Times New Roman" panose="02020603050405020304" pitchFamily="18" charset="0"/>
+            </a:endParaRPr>
           </a:p>
         </p:txBody>
       </p:sp>
       <p:sp>
         <p:nvSpPr>
-          <p:cNvPr id="5" name="Rectangle 4">
-            <a:extLst>
-              <a:ext uri="{FF2B5EF4-FFF2-40B4-BE49-F238E27FC236}">
-                <a16:creationId xmlns:a16="http://schemas.microsoft.com/office/drawing/2014/main" id="{CD6FEAF7-9640-8A11-4B8F-E2735BBD623F}"/>
-              </a:ext>
-            </a:extLst>
-          </p:cNvPr>
+          <p:cNvPr id="2" name="Can 1"/>
           <p:cNvSpPr/>
           <p:nvPr/>
         </p:nvSpPr>
         <p:spPr>
           <a:xfrm>
-            <a:off x="3169706" y="3520436"/>
-            <a:ext cx="1730523" cy="506339"/>
-          </a:xfrm>
-          <a:prstGeom prst="rect">
-            <a:avLst/>
-          </a:prstGeom>
-          <a:solidFill>
-            <a:srgbClr val="0070C0"/>
-          </a:solidFill>
-          <a:ln>
-            <a:noFill/>
-          </a:ln>
+            <a:off x="5265684" y="3724093"/>
+            <a:ext cx="819807" cy="630621"/>
+          </a:xfrm>
+          <a:prstGeom prst="can">
+            <a:avLst/>
+          </a:prstGeom>
         </p:spPr>
         <p:style>
           <a:lnRef idx="2">
-            <a:schemeClr val="accent1">
+            <a:schemeClr val="accent3">
               <a:shade val="50000"/>
             </a:schemeClr>
           </a:lnRef>
           <a:fillRef idx="1">
-            <a:schemeClr val="accent1"/>
+            <a:schemeClr val="accent3"/>
           </a:fillRef>
           <a:effectRef idx="0">
-            <a:schemeClr val="accent1"/>
+            <a:schemeClr val="accent3"/>
           </a:effectRef>
           <a:fontRef idx="minor">
             <a:schemeClr val="lt1"/>
@@ -26087,50 +27335,39 @@
           <a:p>
             <a:pPr algn="ctr"/>
             <a:r>
-              <a:rPr lang="en-US" sz="1600" dirty="0"/>
-              <a:t>Artist Information on Wiki  </a:t>
-            </a:r>
+              <a:rPr lang="en-US" dirty="0" smtClean="0"/>
+              <a:t>MySQL</a:t>
+            </a:r>
+            <a:endParaRPr lang="en-US" dirty="0"/>
           </a:p>
         </p:txBody>
       </p:sp>
       <p:sp>
         <p:nvSpPr>
-          <p:cNvPr id="6" name="Rectangle 5">
-            <a:extLst>
-              <a:ext uri="{FF2B5EF4-FFF2-40B4-BE49-F238E27FC236}">
-                <a16:creationId xmlns:a16="http://schemas.microsoft.com/office/drawing/2014/main" id="{0ECD160E-C957-AD28-1431-85A753FEC63D}"/>
-              </a:ext>
-            </a:extLst>
-          </p:cNvPr>
+          <p:cNvPr id="23" name="Can 22"/>
           <p:cNvSpPr/>
           <p:nvPr/>
         </p:nvSpPr>
         <p:spPr>
           <a:xfrm>
-            <a:off x="3169706" y="1371600"/>
-            <a:ext cx="1730523" cy="506339"/>
-          </a:xfrm>
-          <a:prstGeom prst="rect">
-            <a:avLst/>
-          </a:prstGeom>
-          <a:solidFill>
-            <a:srgbClr val="0070C0"/>
-          </a:solidFill>
-          <a:ln>
-            <a:noFill/>
-          </a:ln>
+            <a:off x="2649657" y="2858347"/>
+            <a:ext cx="819807" cy="630621"/>
+          </a:xfrm>
+          <a:prstGeom prst="can">
+            <a:avLst/>
+          </a:prstGeom>
         </p:spPr>
         <p:style>
           <a:lnRef idx="2">
-            <a:schemeClr val="accent1">
+            <a:schemeClr val="accent3">
               <a:shade val="50000"/>
             </a:schemeClr>
           </a:lnRef>
           <a:fillRef idx="1">
-            <a:schemeClr val="accent1"/>
+            <a:schemeClr val="accent3"/>
           </a:fillRef>
           <a:effectRef idx="0">
-            <a:schemeClr val="accent1"/>
+            <a:schemeClr val="accent3"/>
           </a:effectRef>
           <a:fontRef idx="minor">
             <a:schemeClr val="lt1"/>
@@ -26142,93 +27379,127 @@
           <a:p>
             <a:pPr algn="ctr"/>
             <a:r>
-              <a:rPr lang="en-US" sz="1600" dirty="0"/>
-              <a:t>Artist Name</a:t>
+              <a:rPr lang="en-US" dirty="0" smtClean="0"/>
+              <a:t>CSV</a:t>
             </a:r>
           </a:p>
         </p:txBody>
       </p:sp>
-      <p:cxnSp>
-        <p:nvCxnSpPr>
-          <p:cNvPr id="8" name="Straight Arrow Connector 7">
-            <a:extLst>
-              <a:ext uri="{FF2B5EF4-FFF2-40B4-BE49-F238E27FC236}">
-                <a16:creationId xmlns:a16="http://schemas.microsoft.com/office/drawing/2014/main" id="{53E041C5-4B7F-9A29-F37B-6AD1C57B451D}"/>
-              </a:ext>
-            </a:extLst>
-          </p:cNvPr>
-          <p:cNvCxnSpPr>
-            <a:cxnSpLocks/>
-            <a:stCxn id="4" idx="3"/>
-            <a:endCxn id="6" idx="1"/>
-          </p:cNvCxnSpPr>
-          <p:nvPr/>
-        </p:nvCxnSpPr>
-        <p:spPr>
-          <a:xfrm>
-            <a:off x="2134596" y="1624769"/>
-            <a:ext cx="1035110" cy="0"/>
-          </a:xfrm>
-          <a:prstGeom prst="straightConnector1">
-            <a:avLst/>
-          </a:prstGeom>
-          <a:ln>
-            <a:tailEnd type="triangle"/>
-          </a:ln>
-        </p:spPr>
-        <p:style>
-          <a:lnRef idx="1">
-            <a:schemeClr val="accent1"/>
-          </a:lnRef>
-          <a:fillRef idx="0">
-            <a:schemeClr val="accent1"/>
-          </a:fillRef>
-          <a:effectRef idx="0">
-            <a:schemeClr val="accent1"/>
-          </a:effectRef>
-          <a:fontRef idx="minor">
-            <a:schemeClr val="tx1"/>
-          </a:fontRef>
-        </p:style>
-      </p:cxnSp>
-      <p:sp>
-        <p:nvSpPr>
-          <p:cNvPr id="12" name="Rectangle 11">
-            <a:extLst>
-              <a:ext uri="{FF2B5EF4-FFF2-40B4-BE49-F238E27FC236}">
-                <a16:creationId xmlns:a16="http://schemas.microsoft.com/office/drawing/2014/main" id="{CE70B94A-F10A-537B-AF1F-67FCB5ED5B7A}"/>
-              </a:ext>
-            </a:extLst>
-          </p:cNvPr>
+      <p:sp>
+        <p:nvSpPr>
+          <p:cNvPr id="3" name="TextBox 2"/>
+          <p:cNvSpPr txBox="1"/>
+          <p:nvPr/>
+        </p:nvSpPr>
+        <p:spPr>
+          <a:xfrm>
+            <a:off x="788277" y="854516"/>
+            <a:ext cx="6035627" cy="1384995"/>
+          </a:xfrm>
+          <a:prstGeom prst="rect">
+            <a:avLst/>
+          </a:prstGeom>
+          <a:noFill/>
+        </p:spPr>
+        <p:txBody>
+          <a:bodyPr wrap="none" rtlCol="0">
+            <a:spAutoFit/>
+          </a:bodyPr>
+          <a:lstStyle/>
+          <a:p>
+            <a:pPr marL="285750" indent="-285750">
+              <a:buFont typeface="Wingdings" panose="05000000000000000000" pitchFamily="2" charset="2"/>
+              <a:buChar char="§"/>
+            </a:pPr>
+            <a:r>
+              <a:rPr lang="en-US" dirty="0" smtClean="0"/>
+              <a:t>Data is sparse. In practical cases we might have to write query over </a:t>
+            </a:r>
+          </a:p>
+          <a:p>
+            <a:r>
+              <a:rPr lang="en-US" dirty="0"/>
+              <a:t> </a:t>
+            </a:r>
+            <a:r>
+              <a:rPr lang="en-US" dirty="0" smtClean="0"/>
+              <a:t>     multiple sources such as csv and </a:t>
+            </a:r>
+            <a:r>
+              <a:rPr lang="en-US" dirty="0" err="1" smtClean="0"/>
+              <a:t>mysql</a:t>
+            </a:r>
+            <a:endParaRPr lang="en-US" dirty="0" smtClean="0"/>
+          </a:p>
+          <a:p>
+            <a:pPr marL="285750" indent="-285750">
+              <a:buFont typeface="Wingdings" panose="05000000000000000000" pitchFamily="2" charset="2"/>
+              <a:buChar char="§"/>
+            </a:pPr>
+            <a:r>
+              <a:rPr lang="en-US" dirty="0" smtClean="0"/>
+              <a:t>Normally CSV do not allow creating indexes. It does not allow</a:t>
+            </a:r>
+          </a:p>
+          <a:p>
+            <a:r>
+              <a:rPr lang="en-US" dirty="0" smtClean="0"/>
+              <a:t>      </a:t>
+            </a:r>
+            <a:r>
+              <a:rPr lang="en-US" dirty="0" err="1" smtClean="0"/>
+              <a:t>sql</a:t>
+            </a:r>
+            <a:r>
+              <a:rPr lang="en-US" dirty="0" smtClean="0"/>
+              <a:t> queries, data manipulation, transaction etc. </a:t>
+            </a:r>
+            <a:endParaRPr lang="en-US" dirty="0"/>
+          </a:p>
+          <a:p>
+            <a:pPr marL="285750" indent="-285750">
+              <a:buFont typeface="Wingdings" panose="05000000000000000000" pitchFamily="2" charset="2"/>
+              <a:buChar char="§"/>
+            </a:pPr>
+            <a:r>
+              <a:rPr lang="en-US" dirty="0" smtClean="0"/>
+              <a:t>So if we want to combine data sources while maintaining integrity and </a:t>
+            </a:r>
+          </a:p>
+          <a:p>
+            <a:r>
+              <a:rPr lang="en-US" dirty="0" smtClean="0"/>
+              <a:t>      not migrate data and write queries over them we can use our adapter</a:t>
+            </a:r>
+          </a:p>
+        </p:txBody>
+      </p:sp>
+      <p:sp>
+        <p:nvSpPr>
+          <p:cNvPr id="26" name="Can 25"/>
           <p:cNvSpPr/>
           <p:nvPr/>
         </p:nvSpPr>
         <p:spPr>
           <a:xfrm>
-            <a:off x="5912906" y="3520436"/>
-            <a:ext cx="1730523" cy="506339"/>
-          </a:xfrm>
-          <a:prstGeom prst="rect">
-            <a:avLst/>
-          </a:prstGeom>
-          <a:solidFill>
-            <a:srgbClr val="0070C0"/>
-          </a:solidFill>
-          <a:ln>
-            <a:noFill/>
-          </a:ln>
+            <a:off x="5265683" y="2858348"/>
+            <a:ext cx="819807" cy="630621"/>
+          </a:xfrm>
+          <a:prstGeom prst="can">
+            <a:avLst/>
+          </a:prstGeom>
         </p:spPr>
         <p:style>
           <a:lnRef idx="2">
-            <a:schemeClr val="accent1">
+            <a:schemeClr val="accent3">
               <a:shade val="50000"/>
             </a:schemeClr>
           </a:lnRef>
           <a:fillRef idx="1">
-            <a:schemeClr val="accent1"/>
+            <a:schemeClr val="accent3"/>
           </a:fillRef>
           <a:effectRef idx="0">
-            <a:schemeClr val="accent1"/>
+            <a:schemeClr val="accent3"/>
           </a:effectRef>
           <a:fontRef idx="minor">
             <a:schemeClr val="lt1"/>
@@ -26240,126 +27511,32 @@
           <a:p>
             <a:pPr algn="ctr"/>
             <a:r>
-              <a:rPr lang="en-US" sz="1600" dirty="0"/>
-              <a:t>Artist Information in Web format</a:t>
-            </a:r>
-          </a:p>
-        </p:txBody>
-      </p:sp>
-      <p:sp>
-        <p:nvSpPr>
-          <p:cNvPr id="17" name="TextBox 16">
-            <a:extLst>
-              <a:ext uri="{FF2B5EF4-FFF2-40B4-BE49-F238E27FC236}">
-                <a16:creationId xmlns:a16="http://schemas.microsoft.com/office/drawing/2014/main" id="{736C1677-4BF3-5D6C-BC50-FEA8C7C74DCB}"/>
-              </a:ext>
-            </a:extLst>
-          </p:cNvPr>
-          <p:cNvSpPr txBox="1"/>
-          <p:nvPr/>
-        </p:nvSpPr>
-        <p:spPr>
-          <a:xfrm>
-            <a:off x="2134596" y="1366887"/>
-            <a:ext cx="1077539" cy="246221"/>
-          </a:xfrm>
-          <a:prstGeom prst="rect">
-            <a:avLst/>
-          </a:prstGeom>
-          <a:noFill/>
-        </p:spPr>
-        <p:txBody>
-          <a:bodyPr wrap="none" rtlCol="0">
-            <a:spAutoFit/>
-          </a:bodyPr>
-          <a:lstStyle/>
-          <a:p>
-            <a:r>
-              <a:rPr lang="en-US" sz="1000" dirty="0"/>
-              <a:t>Separate Name</a:t>
-            </a:r>
-          </a:p>
-        </p:txBody>
-      </p:sp>
-      <p:sp>
-        <p:nvSpPr>
-          <p:cNvPr id="20" name="Rectangle 19">
-            <a:extLst>
-              <a:ext uri="{FF2B5EF4-FFF2-40B4-BE49-F238E27FC236}">
-                <a16:creationId xmlns:a16="http://schemas.microsoft.com/office/drawing/2014/main" id="{383A72C7-2878-CF8A-9B3C-11CC7FAD7933}"/>
-              </a:ext>
-            </a:extLst>
-          </p:cNvPr>
-          <p:cNvSpPr/>
-          <p:nvPr/>
-        </p:nvSpPr>
-        <p:spPr>
-          <a:xfrm>
-            <a:off x="3169706" y="2456382"/>
-            <a:ext cx="1730523" cy="506339"/>
-          </a:xfrm>
-          <a:prstGeom prst="rect">
-            <a:avLst/>
-          </a:prstGeom>
-          <a:solidFill>
-            <a:srgbClr val="0070C0"/>
-          </a:solidFill>
-          <a:ln>
-            <a:noFill/>
-          </a:ln>
-        </p:spPr>
-        <p:style>
-          <a:lnRef idx="2">
-            <a:schemeClr val="accent1">
-              <a:shade val="50000"/>
-            </a:schemeClr>
-          </a:lnRef>
-          <a:fillRef idx="1">
-            <a:schemeClr val="accent1"/>
-          </a:fillRef>
-          <a:effectRef idx="0">
-            <a:schemeClr val="accent1"/>
-          </a:effectRef>
-          <a:fontRef idx="minor">
-            <a:schemeClr val="lt1"/>
-          </a:fontRef>
-        </p:style>
-        <p:txBody>
-          <a:bodyPr rtlCol="0" anchor="ctr"/>
-          <a:lstStyle/>
-          <a:p>
-            <a:pPr algn="ctr"/>
-            <a:r>
-              <a:rPr lang="en-US" sz="1600" dirty="0"/>
-              <a:t>Generate Link using the Name </a:t>
-            </a:r>
+              <a:rPr lang="en-US" dirty="0" smtClean="0"/>
+              <a:t>MySQL</a:t>
+            </a:r>
+            <a:endParaRPr lang="en-US" dirty="0"/>
           </a:p>
         </p:txBody>
       </p:sp>
       <p:cxnSp>
         <p:nvCxnSpPr>
-          <p:cNvPr id="35" name="Straight Arrow Connector 34">
-            <a:extLst>
-              <a:ext uri="{FF2B5EF4-FFF2-40B4-BE49-F238E27FC236}">
-                <a16:creationId xmlns:a16="http://schemas.microsoft.com/office/drawing/2014/main" id="{597CD798-12EC-3F91-9628-A5AC4764A522}"/>
-              </a:ext>
-            </a:extLst>
-          </p:cNvPr>
+          <p:cNvPr id="11" name="Straight Arrow Connector 10"/>
           <p:cNvCxnSpPr>
-            <a:stCxn id="6" idx="2"/>
-            <a:endCxn id="20" idx="0"/>
+            <a:stCxn id="23" idx="4"/>
+            <a:endCxn id="2" idx="2"/>
           </p:cNvCxnSpPr>
           <p:nvPr/>
         </p:nvCxnSpPr>
         <p:spPr>
           <a:xfrm>
-            <a:off x="4034967" y="1877938"/>
-            <a:ext cx="1" cy="578444"/>
+            <a:off x="3469464" y="3173658"/>
+            <a:ext cx="1796220" cy="865746"/>
           </a:xfrm>
           <a:prstGeom prst="straightConnector1">
             <a:avLst/>
           </a:prstGeom>
           <a:ln>
+            <a:headEnd type="triangle"/>
             <a:tailEnd type="triangle"/>
           </a:ln>
         </p:spPr>
@@ -26380,28 +27557,103 @@
       </p:cxnSp>
       <p:cxnSp>
         <p:nvCxnSpPr>
-          <p:cNvPr id="37" name="Straight Arrow Connector 36">
-            <a:extLst>
-              <a:ext uri="{FF2B5EF4-FFF2-40B4-BE49-F238E27FC236}">
-                <a16:creationId xmlns:a16="http://schemas.microsoft.com/office/drawing/2014/main" id="{40EA50C8-E152-671D-05A3-A89B64F0B28D}"/>
-              </a:ext>
-            </a:extLst>
-          </p:cNvPr>
+          <p:cNvPr id="36" name="Straight Arrow Connector 35"/>
           <p:cNvCxnSpPr>
-            <a:stCxn id="20" idx="2"/>
-            <a:endCxn id="5" idx="0"/>
+            <a:stCxn id="23" idx="4"/>
+            <a:endCxn id="26" idx="2"/>
           </p:cNvCxnSpPr>
           <p:nvPr/>
         </p:nvCxnSpPr>
         <p:spPr>
           <a:xfrm>
-            <a:off x="4034968" y="2962721"/>
-            <a:ext cx="0" cy="557716"/>
+            <a:off x="3469464" y="3173658"/>
+            <a:ext cx="1796219" cy="1"/>
           </a:xfrm>
           <a:prstGeom prst="straightConnector1">
             <a:avLst/>
           </a:prstGeom>
           <a:ln>
+            <a:headEnd type="triangle"/>
+            <a:tailEnd type="triangle"/>
+          </a:ln>
+        </p:spPr>
+        <p:style>
+          <a:lnRef idx="1">
+            <a:schemeClr val="accent1"/>
+          </a:lnRef>
+          <a:fillRef idx="0">
+            <a:schemeClr val="accent1"/>
+          </a:fillRef>
+          <a:effectRef idx="0">
+            <a:schemeClr val="accent1"/>
+          </a:effectRef>
+          <a:fontRef idx="minor">
+            <a:schemeClr val="tx1"/>
+          </a:fontRef>
+        </p:style>
+      </p:cxnSp>
+      <p:sp>
+        <p:nvSpPr>
+          <p:cNvPr id="39" name="Can 38"/>
+          <p:cNvSpPr/>
+          <p:nvPr/>
+        </p:nvSpPr>
+        <p:spPr>
+          <a:xfrm>
+            <a:off x="2649657" y="3724093"/>
+            <a:ext cx="819807" cy="630621"/>
+          </a:xfrm>
+          <a:prstGeom prst="can">
+            <a:avLst/>
+          </a:prstGeom>
+        </p:spPr>
+        <p:style>
+          <a:lnRef idx="2">
+            <a:schemeClr val="accent3">
+              <a:shade val="50000"/>
+            </a:schemeClr>
+          </a:lnRef>
+          <a:fillRef idx="1">
+            <a:schemeClr val="accent3"/>
+          </a:fillRef>
+          <a:effectRef idx="0">
+            <a:schemeClr val="accent3"/>
+          </a:effectRef>
+          <a:fontRef idx="minor">
+            <a:schemeClr val="lt1"/>
+          </a:fontRef>
+        </p:style>
+        <p:txBody>
+          <a:bodyPr rtlCol="0" anchor="ctr"/>
+          <a:lstStyle/>
+          <a:p>
+            <a:pPr algn="ctr"/>
+            <a:r>
+              <a:rPr lang="en-US" dirty="0" smtClean="0"/>
+              <a:t>CSV</a:t>
+            </a:r>
+          </a:p>
+        </p:txBody>
+      </p:sp>
+      <p:cxnSp>
+        <p:nvCxnSpPr>
+          <p:cNvPr id="42" name="Straight Arrow Connector 41"/>
+          <p:cNvCxnSpPr>
+            <a:stCxn id="39" idx="4"/>
+            <a:endCxn id="26" idx="2"/>
+          </p:cNvCxnSpPr>
+          <p:nvPr/>
+        </p:nvCxnSpPr>
+        <p:spPr>
+          <a:xfrm flipV="1">
+            <a:off x="3469464" y="3173659"/>
+            <a:ext cx="1796219" cy="865745"/>
+          </a:xfrm>
+          <a:prstGeom prst="straightConnector1">
+            <a:avLst/>
+          </a:prstGeom>
+          <a:ln>
+            <a:headEnd type="triangle"/>
             <a:tailEnd type="triangle"/>
           </a:ln>
         </p:spPr>
@@ -26422,28 +27674,23 @@
       </p:cxnSp>
       <p:cxnSp>
         <p:nvCxnSpPr>
-          <p:cNvPr id="39" name="Straight Arrow Connector 38">
-            <a:extLst>
-              <a:ext uri="{FF2B5EF4-FFF2-40B4-BE49-F238E27FC236}">
-                <a16:creationId xmlns:a16="http://schemas.microsoft.com/office/drawing/2014/main" id="{7D11387E-D000-D051-3826-AAC9CDE37FAE}"/>
-              </a:ext>
-            </a:extLst>
-          </p:cNvPr>
+          <p:cNvPr id="45" name="Straight Arrow Connector 44"/>
           <p:cNvCxnSpPr>
-            <a:stCxn id="5" idx="3"/>
-            <a:endCxn id="12" idx="1"/>
+            <a:stCxn id="39" idx="4"/>
+            <a:endCxn id="2" idx="2"/>
           </p:cNvCxnSpPr>
           <p:nvPr/>
         </p:nvCxnSpPr>
         <p:spPr>
           <a:xfrm>
-            <a:off x="4900230" y="3773606"/>
-            <a:ext cx="1012676" cy="0"/>
+            <a:off x="3469464" y="4039404"/>
+            <a:ext cx="1796220" cy="0"/>
           </a:xfrm>
           <a:prstGeom prst="straightConnector1">
             <a:avLst/>
           </a:prstGeom>
           <a:ln>
+            <a:headEnd type="triangle"/>
             <a:tailEnd type="triangle"/>
           </a:ln>
         </p:spPr>
@@ -26464,118 +27711,14 @@
       </p:cxnSp>
       <p:sp>
         <p:nvSpPr>
-          <p:cNvPr id="41" name="Rectangle 40">
-            <a:extLst>
-              <a:ext uri="{FF2B5EF4-FFF2-40B4-BE49-F238E27FC236}">
-                <a16:creationId xmlns:a16="http://schemas.microsoft.com/office/drawing/2014/main" id="{F039C8EA-2E65-ADE3-6C8E-BFCC113E3DC5}"/>
-              </a:ext>
-            </a:extLst>
-          </p:cNvPr>
-          <p:cNvSpPr/>
-          <p:nvPr/>
-        </p:nvSpPr>
-        <p:spPr>
-          <a:xfrm>
-            <a:off x="5701550" y="2454794"/>
-            <a:ext cx="2153233" cy="506339"/>
-          </a:xfrm>
-          <a:prstGeom prst="rect">
-            <a:avLst/>
-          </a:prstGeom>
-          <a:solidFill>
-            <a:srgbClr val="0070C0"/>
-          </a:solidFill>
-          <a:ln>
-            <a:noFill/>
-          </a:ln>
-        </p:spPr>
-        <p:style>
-          <a:lnRef idx="2">
-            <a:schemeClr val="accent1">
-              <a:shade val="50000"/>
-            </a:schemeClr>
-          </a:lnRef>
-          <a:fillRef idx="1">
-            <a:schemeClr val="accent1"/>
-          </a:fillRef>
-          <a:effectRef idx="0">
-            <a:schemeClr val="accent1"/>
-          </a:effectRef>
-          <a:fontRef idx="minor">
-            <a:schemeClr val="lt1"/>
-          </a:fontRef>
-        </p:style>
-        <p:txBody>
-          <a:bodyPr rtlCol="0" anchor="ctr"/>
-          <a:lstStyle/>
-          <a:p>
-            <a:pPr algn="ctr"/>
-            <a:r>
-              <a:rPr lang="en-US" sz="1600" dirty="0"/>
-              <a:t>Separated Information as CSV</a:t>
-            </a:r>
-          </a:p>
-        </p:txBody>
-      </p:sp>
-      <p:cxnSp>
-        <p:nvCxnSpPr>
-          <p:cNvPr id="43" name="Straight Arrow Connector 42">
-            <a:extLst>
-              <a:ext uri="{FF2B5EF4-FFF2-40B4-BE49-F238E27FC236}">
-                <a16:creationId xmlns:a16="http://schemas.microsoft.com/office/drawing/2014/main" id="{95550B68-15AA-9B8C-C548-1CF9B63640C4}"/>
-              </a:ext>
-            </a:extLst>
-          </p:cNvPr>
-          <p:cNvCxnSpPr>
-            <a:cxnSpLocks/>
-            <a:stCxn id="12" idx="0"/>
-            <a:endCxn id="41" idx="2"/>
-          </p:cNvCxnSpPr>
-          <p:nvPr/>
-        </p:nvCxnSpPr>
-        <p:spPr>
-          <a:xfrm flipH="1" flipV="1">
-            <a:off x="6778167" y="2961133"/>
-            <a:ext cx="1" cy="559303"/>
-          </a:xfrm>
-          <a:prstGeom prst="straightConnector1">
-            <a:avLst/>
-          </a:prstGeom>
-          <a:ln>
-            <a:tailEnd type="triangle"/>
-          </a:ln>
-        </p:spPr>
-        <p:style>
-          <a:lnRef idx="1">
-            <a:schemeClr val="accent1"/>
-          </a:lnRef>
-          <a:fillRef idx="0">
-            <a:schemeClr val="accent1"/>
-          </a:fillRef>
-          <a:effectRef idx="0">
-            <a:schemeClr val="accent1"/>
-          </a:effectRef>
-          <a:fontRef idx="minor">
-            <a:schemeClr val="tx1"/>
-          </a:fontRef>
-        </p:style>
-      </p:cxnSp>
-      <p:sp>
-        <p:nvSpPr>
-          <p:cNvPr id="44" name="TextBox 43">
-            <a:extLst>
-              <a:ext uri="{FF2B5EF4-FFF2-40B4-BE49-F238E27FC236}">
-                <a16:creationId xmlns:a16="http://schemas.microsoft.com/office/drawing/2014/main" id="{F390CB6C-3AB2-5AE8-3BCF-7E9263B7FA1C}"/>
-              </a:ext>
-            </a:extLst>
-          </p:cNvPr>
+          <p:cNvPr id="22" name="TextBox 21"/>
           <p:cNvSpPr txBox="1"/>
           <p:nvPr/>
         </p:nvSpPr>
         <p:spPr>
           <a:xfrm>
-            <a:off x="4034967" y="3129774"/>
-            <a:ext cx="1503938" cy="261610"/>
+            <a:off x="4043606" y="2912048"/>
+            <a:ext cx="647934" cy="261610"/>
           </a:xfrm>
           <a:prstGeom prst="rect">
             <a:avLst/>
@@ -26589,28 +27732,23 @@
           <a:lstStyle/>
           <a:p>
             <a:r>
-              <a:rPr lang="en-US" sz="1100" dirty="0"/>
-              <a:t>Using Beautiful Soup</a:t>
-            </a:r>
+              <a:rPr lang="en-US" sz="1050" dirty="0" smtClean="0"/>
+              <a:t>queries</a:t>
+            </a:r>
+            <a:endParaRPr lang="en-US" sz="1050" dirty="0"/>
           </a:p>
         </p:txBody>
       </p:sp>
       <p:sp>
         <p:nvSpPr>
-          <p:cNvPr id="46" name="TextBox 45">
-            <a:extLst>
-              <a:ext uri="{FF2B5EF4-FFF2-40B4-BE49-F238E27FC236}">
-                <a16:creationId xmlns:a16="http://schemas.microsoft.com/office/drawing/2014/main" id="{DAA65CA6-F602-AFA1-F2EA-8D63A82FDB08}"/>
-              </a:ext>
-            </a:extLst>
-          </p:cNvPr>
+          <p:cNvPr id="49" name="TextBox 48"/>
           <p:cNvSpPr txBox="1"/>
           <p:nvPr/>
         </p:nvSpPr>
         <p:spPr>
           <a:xfrm>
-            <a:off x="6778167" y="3159939"/>
-            <a:ext cx="1963999" cy="261610"/>
+            <a:off x="4011797" y="3977000"/>
+            <a:ext cx="647934" cy="261610"/>
           </a:xfrm>
           <a:prstGeom prst="rect">
             <a:avLst/>
@@ -26624,83 +27762,77 @@
           <a:lstStyle/>
           <a:p>
             <a:r>
-              <a:rPr lang="en-US" sz="1100" dirty="0"/>
-              <a:t>Web Scraping using Python </a:t>
-            </a:r>
+              <a:rPr lang="en-US" sz="1050" dirty="0" smtClean="0"/>
+              <a:t>queries</a:t>
+            </a:r>
+            <a:endParaRPr lang="en-US" sz="1050" dirty="0"/>
           </a:p>
         </p:txBody>
       </p:sp>
       <p:sp>
         <p:nvSpPr>
-          <p:cNvPr id="2" name="Rectangle: Diagonal Corners Snipped 1">
-            <a:extLst>
-              <a:ext uri="{FF2B5EF4-FFF2-40B4-BE49-F238E27FC236}">
-                <a16:creationId xmlns:a16="http://schemas.microsoft.com/office/drawing/2014/main" id="{12625ADE-C5F8-0CBC-67E5-714486FCD0CF}"/>
-              </a:ext>
-            </a:extLst>
-          </p:cNvPr>
-          <p:cNvSpPr/>
-          <p:nvPr/>
-        </p:nvSpPr>
-        <p:spPr>
-          <a:xfrm>
-            <a:off x="186063" y="157926"/>
-            <a:ext cx="8503920" cy="354672"/>
-          </a:xfrm>
-          <a:prstGeom prst="snip2DiagRect">
-            <a:avLst>
-              <a:gd name="adj1" fmla="val 48337"/>
-              <a:gd name="adj2" fmla="val 16667"/>
-            </a:avLst>
-          </a:prstGeom>
-          <a:solidFill>
-            <a:srgbClr val="CDCDCD"/>
-          </a:solidFill>
-          <a:ln>
-            <a:solidFill>
-              <a:schemeClr val="bg2">
-                <a:lumMod val="75000"/>
-              </a:schemeClr>
-            </a:solidFill>
-          </a:ln>
-        </p:spPr>
-        <p:style>
-          <a:lnRef idx="2">
-            <a:schemeClr val="accent1">
-              <a:shade val="50000"/>
-            </a:schemeClr>
-          </a:lnRef>
-          <a:fillRef idx="1">
-            <a:schemeClr val="accent1"/>
-          </a:fillRef>
-          <a:effectRef idx="0">
-            <a:schemeClr val="accent1"/>
-          </a:effectRef>
-          <a:fontRef idx="minor">
-            <a:schemeClr val="lt1"/>
-          </a:fontRef>
-        </p:style>
+          <p:cNvPr id="50" name="TextBox 49"/>
+          <p:cNvSpPr txBox="1"/>
+          <p:nvPr/>
+        </p:nvSpPr>
+        <p:spPr>
+          <a:xfrm rot="19970590">
+            <a:off x="3613604" y="3593288"/>
+            <a:ext cx="647934" cy="261610"/>
+          </a:xfrm>
+          <a:prstGeom prst="rect">
+            <a:avLst/>
+          </a:prstGeom>
+          <a:noFill/>
+        </p:spPr>
         <p:txBody>
-          <a:bodyPr rtlCol="0" anchor="ctr"/>
+          <a:bodyPr wrap="none" rtlCol="0">
+            <a:spAutoFit/>
+          </a:bodyPr>
           <a:lstStyle/>
           <a:p>
             <a:r>
-              <a:rPr lang="en-GB" sz="3200" dirty="0">
-                <a:solidFill>
-                  <a:schemeClr val="tx1"/>
-                </a:solidFill>
-                <a:latin typeface="Times New Roman" panose="02020603050405020304" pitchFamily="18" charset="0"/>
-                <a:cs typeface="Times New Roman" panose="02020603050405020304" pitchFamily="18" charset="0"/>
-              </a:rPr>
-              <a:t>Data Collection and Pre-processing</a:t>
-            </a:r>
+              <a:rPr lang="en-US" sz="1050" dirty="0" smtClean="0"/>
+              <a:t>queries</a:t>
+            </a:r>
+            <a:endParaRPr lang="en-US" sz="1050" dirty="0"/>
+          </a:p>
+        </p:txBody>
+      </p:sp>
+      <p:sp>
+        <p:nvSpPr>
+          <p:cNvPr id="51" name="TextBox 50"/>
+          <p:cNvSpPr txBox="1"/>
+          <p:nvPr/>
+        </p:nvSpPr>
+        <p:spPr>
+          <a:xfrm rot="1642301">
+            <a:off x="4530261" y="3612289"/>
+            <a:ext cx="647934" cy="261610"/>
+          </a:xfrm>
+          <a:prstGeom prst="rect">
+            <a:avLst/>
+          </a:prstGeom>
+          <a:noFill/>
+        </p:spPr>
+        <p:txBody>
+          <a:bodyPr wrap="none" rtlCol="0">
+            <a:spAutoFit/>
+          </a:bodyPr>
+          <a:lstStyle/>
+          <a:p>
+            <a:r>
+              <a:rPr lang="en-US" sz="1050" dirty="0" smtClean="0"/>
+              <a:t>queries</a:t>
+            </a:r>
+            <a:endParaRPr lang="en-US" sz="1050" dirty="0"/>
           </a:p>
         </p:txBody>
       </p:sp>
     </p:spTree>
     <p:extLst>
       <p:ext uri="{BB962C8B-B14F-4D97-AF65-F5344CB8AC3E}">
-        <p14:creationId xmlns:p14="http://schemas.microsoft.com/office/powerpoint/2010/main" val="182999728"/>
+        <p14:creationId xmlns:p14="http://schemas.microsoft.com/office/powerpoint/2010/main" val="4006254473"/>
       </p:ext>
     </p:extLst>
   </p:cSld>
